--- a/presentation-source/10-integration.pptx
+++ b/presentation-source/10-integration.pptx
@@ -5,7 +5,7 @@
     <p:sldMasterId id="2147483648" r:id="rId1"/>
   </p:sldMasterIdLst>
   <p:notesMasterIdLst>
-    <p:notesMasterId r:id="rId38"/>
+    <p:notesMasterId r:id="rId35"/>
   </p:notesMasterIdLst>
   <p:sldIdLst>
     <p:sldId id="256" r:id="rId2"/>
@@ -29,21 +29,18 @@
     <p:sldId id="271" r:id="rId20"/>
     <p:sldId id="272" r:id="rId21"/>
     <p:sldId id="273" r:id="rId22"/>
-    <p:sldId id="276" r:id="rId23"/>
-    <p:sldId id="277" r:id="rId24"/>
-    <p:sldId id="278" r:id="rId25"/>
-    <p:sldId id="279" r:id="rId26"/>
-    <p:sldId id="294" r:id="rId27"/>
-    <p:sldId id="295" r:id="rId28"/>
-    <p:sldId id="296" r:id="rId29"/>
-    <p:sldId id="297" r:id="rId30"/>
-    <p:sldId id="298" r:id="rId31"/>
-    <p:sldId id="299" r:id="rId32"/>
-    <p:sldId id="280" r:id="rId33"/>
-    <p:sldId id="281" r:id="rId34"/>
-    <p:sldId id="282" r:id="rId35"/>
-    <p:sldId id="284" r:id="rId36"/>
-    <p:sldId id="274" r:id="rId37"/>
+    <p:sldId id="278" r:id="rId23"/>
+    <p:sldId id="279" r:id="rId24"/>
+    <p:sldId id="294" r:id="rId25"/>
+    <p:sldId id="295" r:id="rId26"/>
+    <p:sldId id="296" r:id="rId27"/>
+    <p:sldId id="297" r:id="rId28"/>
+    <p:sldId id="298" r:id="rId29"/>
+    <p:sldId id="299" r:id="rId30"/>
+    <p:sldId id="281" r:id="rId31"/>
+    <p:sldId id="282" r:id="rId32"/>
+    <p:sldId id="301" r:id="rId33"/>
+    <p:sldId id="274" r:id="rId34"/>
   </p:sldIdLst>
   <p:sldSz cx="9144000" cy="6858000" type="screen4x3"/>
   <p:notesSz cx="6858000" cy="9144000"/>
@@ -191,7 +188,7 @@
           <a:lstStyle>
             <a:lvl1pPr algn="l">
               <a:defRPr sz="1200">
-                <a:latin typeface="Calisto MT"/>
+                <a:latin typeface="Montserrat"/>
               </a:defRPr>
             </a:lvl1pPr>
           </a:lstStyle>
@@ -224,7 +221,7 @@
           <a:lstStyle>
             <a:lvl1pPr algn="r">
               <a:defRPr sz="1200">
-                <a:latin typeface="Calisto MT"/>
+                <a:latin typeface="Montserrat"/>
               </a:defRPr>
             </a:lvl1pPr>
           </a:lstStyle>
@@ -232,7 +229,7 @@
             <a:fld id="{7307762F-A706-E543-A832-3C298AA3103F}" type="datetimeFigureOut">
               <a:rPr lang="en-US" smtClean="0"/>
               <a:pPr/>
-              <a:t>08/09/15</a:t>
+              <a:t>10/06/16</a:t>
             </a:fld>
             <a:endParaRPr lang="en-US" dirty="0"/>
           </a:p>
@@ -355,7 +352,7 @@
           <a:lstStyle>
             <a:lvl1pPr algn="l">
               <a:defRPr sz="1200">
-                <a:latin typeface="Calisto MT"/>
+                <a:latin typeface="Montserrat"/>
               </a:defRPr>
             </a:lvl1pPr>
           </a:lstStyle>
@@ -388,7 +385,7 @@
           <a:lstStyle>
             <a:lvl1pPr algn="r">
               <a:defRPr sz="1200">
-                <a:latin typeface="Calisto MT"/>
+                <a:latin typeface="Montserrat"/>
               </a:defRPr>
             </a:lvl1pPr>
           </a:lstStyle>
@@ -416,7 +413,7 @@
         <a:solidFill>
           <a:schemeClr val="tx1"/>
         </a:solidFill>
-        <a:latin typeface="Calisto MT"/>
+        <a:latin typeface="Montserrat"/>
         <a:ea typeface="+mn-ea"/>
         <a:cs typeface="+mn-cs"/>
       </a:defRPr>
@@ -426,7 +423,7 @@
         <a:solidFill>
           <a:schemeClr val="tx1"/>
         </a:solidFill>
-        <a:latin typeface="Calisto MT"/>
+        <a:latin typeface="Montserrat"/>
         <a:ea typeface="+mn-ea"/>
         <a:cs typeface="+mn-cs"/>
       </a:defRPr>
@@ -436,7 +433,7 @@
         <a:solidFill>
           <a:schemeClr val="tx1"/>
         </a:solidFill>
-        <a:latin typeface="Calisto MT"/>
+        <a:latin typeface="Montserrat"/>
         <a:ea typeface="+mn-ea"/>
         <a:cs typeface="+mn-cs"/>
       </a:defRPr>
@@ -446,7 +443,7 @@
         <a:solidFill>
           <a:schemeClr val="tx1"/>
         </a:solidFill>
-        <a:latin typeface="Calisto MT"/>
+        <a:latin typeface="Montserrat"/>
         <a:ea typeface="+mn-ea"/>
         <a:cs typeface="+mn-cs"/>
       </a:defRPr>
@@ -456,7 +453,7 @@
         <a:solidFill>
           <a:schemeClr val="tx1"/>
         </a:solidFill>
-        <a:latin typeface="Calisto MT"/>
+        <a:latin typeface="Montserrat"/>
         <a:ea typeface="+mn-ea"/>
         <a:cs typeface="+mn-cs"/>
       </a:defRPr>
@@ -1066,7 +1063,7 @@
           <a:p>
             <a:fld id="{875CF0EB-321F-0749-B37A-89BBA859503C}" type="datetimeFigureOut">
               <a:rPr lang="en-US" smtClean="0"/>
-              <a:t>08/09/15</a:t>
+              <a:t>10/06/16</a:t>
             </a:fld>
             <a:endParaRPr lang="en-US"/>
           </a:p>
@@ -1270,7 +1267,7 @@
           <a:p>
             <a:fld id="{875CF0EB-321F-0749-B37A-89BBA859503C}" type="datetimeFigureOut">
               <a:rPr lang="en-US" smtClean="0"/>
-              <a:t>08/09/15</a:t>
+              <a:t>10/06/16</a:t>
             </a:fld>
             <a:endParaRPr lang="en-US"/>
           </a:p>
@@ -1464,7 +1461,7 @@
           <a:p>
             <a:fld id="{875CF0EB-321F-0749-B37A-89BBA859503C}" type="datetimeFigureOut">
               <a:rPr lang="en-US" smtClean="0"/>
-              <a:t>08/09/15</a:t>
+              <a:t>10/06/16</a:t>
             </a:fld>
             <a:endParaRPr lang="en-US"/>
           </a:p>
@@ -1734,7 +1731,7 @@
           <a:p>
             <a:fld id="{875CF0EB-321F-0749-B37A-89BBA859503C}" type="datetimeFigureOut">
               <a:rPr lang="en-US" smtClean="0"/>
-              <a:t>08/09/15</a:t>
+              <a:t>10/06/16</a:t>
             </a:fld>
             <a:endParaRPr lang="en-US"/>
           </a:p>
@@ -2046,7 +2043,7 @@
           <a:p>
             <a:fld id="{875CF0EB-321F-0749-B37A-89BBA859503C}" type="datetimeFigureOut">
               <a:rPr lang="en-US" smtClean="0"/>
-              <a:t>08/09/15</a:t>
+              <a:t>10/06/16</a:t>
             </a:fld>
             <a:endParaRPr lang="en-US"/>
           </a:p>
@@ -2492,7 +2489,7 @@
           <a:p>
             <a:fld id="{875CF0EB-321F-0749-B37A-89BBA859503C}" type="datetimeFigureOut">
               <a:rPr lang="en-US" smtClean="0"/>
-              <a:t>08/09/15</a:t>
+              <a:t>10/06/16</a:t>
             </a:fld>
             <a:endParaRPr lang="en-US"/>
           </a:p>
@@ -2634,7 +2631,7 @@
           <a:p>
             <a:fld id="{875CF0EB-321F-0749-B37A-89BBA859503C}" type="datetimeFigureOut">
               <a:rPr lang="en-US" smtClean="0"/>
-              <a:t>08/09/15</a:t>
+              <a:t>10/06/16</a:t>
             </a:fld>
             <a:endParaRPr lang="en-US"/>
           </a:p>
@@ -2753,7 +2750,7 @@
           <a:p>
             <a:fld id="{875CF0EB-321F-0749-B37A-89BBA859503C}" type="datetimeFigureOut">
               <a:rPr lang="en-US" smtClean="0"/>
-              <a:t>08/09/15</a:t>
+              <a:t>10/06/16</a:t>
             </a:fld>
             <a:endParaRPr lang="en-US"/>
           </a:p>
@@ -3054,7 +3051,7 @@
           <a:p>
             <a:fld id="{875CF0EB-321F-0749-B37A-89BBA859503C}" type="datetimeFigureOut">
               <a:rPr lang="en-US" smtClean="0"/>
-              <a:t>08/09/15</a:t>
+              <a:t>10/06/16</a:t>
             </a:fld>
             <a:endParaRPr lang="en-US"/>
           </a:p>
@@ -3331,7 +3328,7 @@
           <a:p>
             <a:fld id="{875CF0EB-321F-0749-B37A-89BBA859503C}" type="datetimeFigureOut">
               <a:rPr lang="en-US" smtClean="0"/>
-              <a:t>08/09/15</a:t>
+              <a:t>10/06/16</a:t>
             </a:fld>
             <a:endParaRPr lang="en-US"/>
           </a:p>
@@ -3527,7 +3524,7 @@
       </p:sp>
       <p:sp>
         <p:nvSpPr>
-          <p:cNvPr id="21" name="TextBox 20"/>
+          <p:cNvPr id="7" name="TextBox 6"/>
           <p:cNvSpPr txBox="1">
             <a:spLocks noChangeArrowheads="1"/>
           </p:cNvSpPr>
@@ -3535,8 +3532,8 @@
         </p:nvSpPr>
         <p:spPr bwMode="auto">
           <a:xfrm>
-            <a:off x="1046163" y="6092834"/>
-            <a:ext cx="6595551" cy="707886"/>
+            <a:off x="1168930" y="6344711"/>
+            <a:ext cx="4942379" cy="415498"/>
           </a:xfrm>
           <a:prstGeom prst="rect">
             <a:avLst/>
@@ -3708,10 +3705,22 @@
               <a:defRPr/>
             </a:pPr>
             <a:r>
-              <a:rPr lang="en-US" sz="1000" dirty="0" smtClean="0">
-                <a:latin typeface="Calisto MT"/>
+              <a:rPr lang="en-US" sz="700" dirty="0" smtClean="0">
+                <a:latin typeface="Montserrat"/>
               </a:rPr>
-              <a:t>© Paul Fremantle 2012.  Portions © Jeremy Gibbons 2010, © WSO2 2005-2012 used with permission of the author(s).</a:t>
+              <a:t>© Paul Fremantle </a:t>
+            </a:r>
+            <a:r>
+              <a:rPr lang="en-US" sz="700" dirty="0" smtClean="0">
+                <a:latin typeface="Montserrat"/>
+              </a:rPr>
+              <a:t>2016 except where credited elsewhere. </a:t>
+            </a:r>
+            <a:r>
+              <a:rPr lang="en-US" sz="700" dirty="0" smtClean="0">
+                <a:latin typeface="Montserrat"/>
+              </a:rPr>
+              <a:t> This work is licensed under a Creative Commons</a:t>
             </a:r>
           </a:p>
           <a:p>
@@ -3719,110 +3728,84 @@
               <a:defRPr/>
             </a:pPr>
             <a:r>
-              <a:rPr lang="en-US" sz="1000" dirty="0" smtClean="0">
-                <a:latin typeface="Calisto MT"/>
+              <a:rPr lang="en-US" sz="700" dirty="0" smtClean="0">
+                <a:latin typeface="Montserrat"/>
               </a:rPr>
-              <a:t>Licensed under the Creative Commons 3.0 BY-SA (Attribution-</a:t>
-            </a:r>
-            <a:r>
-              <a:rPr lang="en-US" sz="1000" dirty="0" err="1" smtClean="0">
-                <a:latin typeface="Calisto MT"/>
+              <a:t> Attribution-</a:t>
+            </a:r>
+            <a:r>
+              <a:rPr lang="en-US" sz="700" dirty="0" err="1" smtClean="0">
+                <a:latin typeface="Montserrat"/>
               </a:rPr>
-              <a:t>Sharealike</a:t>
-            </a:r>
-            <a:r>
-              <a:rPr lang="en-US" sz="1000" dirty="0" smtClean="0">
-                <a:latin typeface="Calisto MT"/>
+              <a:t>NonCommercial</a:t>
+            </a:r>
+            <a:r>
+              <a:rPr lang="en-US" sz="700" dirty="0" smtClean="0">
+                <a:latin typeface="Montserrat"/>
               </a:rPr>
-              <a:t>) license.</a:t>
-            </a:r>
-          </a:p>
-          <a:p>
-            <a:pPr algn="l" eaLnBrk="1" hangingPunct="1">
-              <a:defRPr/>
-            </a:pPr>
-            <a:r>
-              <a:rPr lang="en-US" sz="1000" dirty="0" smtClean="0">
-                <a:latin typeface="Calisto MT"/>
+              <a:t>-</a:t>
+            </a:r>
+            <a:r>
+              <a:rPr lang="en-US" sz="700" dirty="0" err="1" smtClean="0">
+                <a:latin typeface="Montserrat"/>
               </a:rPr>
-              <a:t>See </a:t>
-            </a:r>
-            <a:r>
-              <a:rPr lang="en-US" sz="1000" dirty="0" smtClean="0">
-                <a:latin typeface="Calisto MT"/>
+              <a:t>ShareAlike</a:t>
+            </a:r>
+            <a:r>
+              <a:rPr lang="en-US" sz="700" dirty="0" smtClean="0">
+                <a:latin typeface="Montserrat"/>
+              </a:rPr>
+              <a:t> 4.0 International License</a:t>
+            </a:r>
+            <a:br>
+              <a:rPr lang="en-US" sz="700" dirty="0" smtClean="0">
+                <a:latin typeface="Montserrat"/>
+              </a:rPr>
+            </a:br>
+            <a:r>
+              <a:rPr lang="en-US" sz="700" dirty="0" smtClean="0">
+                <a:latin typeface="Montserrat"/>
+              </a:rPr>
+              <a:t>See  </a:t>
+            </a:r>
+            <a:r>
+              <a:rPr lang="en-US" sz="700" dirty="0" smtClean="0">
+                <a:latin typeface="Montserrat"/>
                 <a:hlinkClick r:id="rId13"/>
               </a:rPr>
-              <a:t>http://creativecommons.org/licenses/by-sa/3.0/</a:t>
-            </a:r>
-            <a:r>
-              <a:rPr lang="en-US" sz="1000" dirty="0" smtClean="0">
-                <a:latin typeface="Calisto MT"/>
+              <a:t>http://creativecommons.org/licenses/by-nc-sa/4.0/</a:t>
+            </a:r>
+            <a:r>
+              <a:rPr lang="en-US" sz="700" dirty="0" smtClean="0">
+                <a:latin typeface="Montserrat"/>
               </a:rPr>
               <a:t> </a:t>
             </a:r>
           </a:p>
-          <a:p>
-            <a:pPr algn="l" eaLnBrk="1" hangingPunct="1">
-              <a:defRPr/>
-            </a:pPr>
-            <a:endParaRPr lang="en-US" sz="1000" dirty="0" smtClean="0">
-              <a:latin typeface="Calisto MT"/>
-            </a:endParaRPr>
-          </a:p>
         </p:txBody>
       </p:sp>
       <p:pic>
         <p:nvPicPr>
-          <p:cNvPr id="24" name="Picture 23"/>
+          <p:cNvPr id="8" name="Picture 7"/>
           <p:cNvPicPr>
-            <a:picLocks noChangeAspect="1" noChangeArrowheads="1"/>
+            <a:picLocks noChangeAspect="1"/>
           </p:cNvPicPr>
           <p:nvPr userDrawn="1"/>
         </p:nvPicPr>
         <p:blipFill>
-          <a:blip r:embed="rId14">
-            <a:extLst>
-              <a:ext uri="{28A0092B-C50C-407E-A947-70E740481C1C}">
-                <a14:useLocalDpi xmlns:a14="http://schemas.microsoft.com/office/drawing/2010/main" val="0"/>
-              </a:ext>
-            </a:extLst>
-          </a:blip>
-          <a:srcRect/>
+          <a:blip r:embed="rId14"/>
           <a:stretch>
             <a:fillRect/>
           </a:stretch>
         </p:blipFill>
-        <p:spPr bwMode="auto">
+        <p:spPr>
           <a:xfrm>
-            <a:off x="320764" y="6254746"/>
-            <a:ext cx="725399" cy="258097"/>
+            <a:off x="375635" y="6428175"/>
+            <a:ext cx="792765" cy="279269"/>
           </a:xfrm>
           <a:prstGeom prst="rect">
             <a:avLst/>
           </a:prstGeom>
-          <a:noFill/>
-          <a:ln>
-            <a:noFill/>
-          </a:ln>
-          <a:extLst>
-            <a:ext uri="{909E8E84-426E-40dd-AFC4-6F175D3DCCD1}">
-              <a14:hiddenFill xmlns:a14="http://schemas.microsoft.com/office/drawing/2010/main">
-                <a:solidFill>
-                  <a:srgbClr val="FFFFFF"/>
-                </a:solidFill>
-              </a14:hiddenFill>
-            </a:ext>
-            <a:ext uri="{91240B29-F687-4f45-9708-019B960494DF}">
-              <a14:hiddenLine xmlns:a14="http://schemas.microsoft.com/office/drawing/2010/main" w="9525">
-                <a:solidFill>
-                  <a:srgbClr val="000000"/>
-                </a:solidFill>
-                <a:miter lim="800000"/>
-                <a:headEnd/>
-                <a:tailEnd/>
-              </a14:hiddenLine>
-            </a:ext>
-          </a:extLst>
         </p:spPr>
       </p:pic>
     </p:spTree>
@@ -3857,7 +3840,7 @@
           <a:solidFill>
             <a:schemeClr val="tx1"/>
           </a:solidFill>
-          <a:latin typeface="Calisto MT"/>
+          <a:latin typeface="Montserrat"/>
           <a:ea typeface="+mj-ea"/>
           <a:cs typeface="+mj-cs"/>
         </a:defRPr>
@@ -3874,7 +3857,7 @@
           <a:solidFill>
             <a:schemeClr val="tx1"/>
           </a:solidFill>
-          <a:latin typeface="Calisto MT"/>
+          <a:latin typeface="Montserrat"/>
           <a:ea typeface="+mn-ea"/>
           <a:cs typeface="+mn-cs"/>
         </a:defRPr>
@@ -3889,7 +3872,7 @@
           <a:solidFill>
             <a:schemeClr val="tx1"/>
           </a:solidFill>
-          <a:latin typeface="Calisto MT"/>
+          <a:latin typeface="Montserrat"/>
           <a:ea typeface="+mn-ea"/>
           <a:cs typeface="+mn-cs"/>
         </a:defRPr>
@@ -3904,7 +3887,7 @@
           <a:solidFill>
             <a:schemeClr val="tx1"/>
           </a:solidFill>
-          <a:latin typeface="Calisto MT"/>
+          <a:latin typeface="Montserrat"/>
           <a:ea typeface="+mn-ea"/>
           <a:cs typeface="+mn-cs"/>
         </a:defRPr>
@@ -3919,7 +3902,7 @@
           <a:solidFill>
             <a:schemeClr val="tx1"/>
           </a:solidFill>
-          <a:latin typeface="Calisto MT"/>
+          <a:latin typeface="Montserrat"/>
           <a:ea typeface="+mn-ea"/>
           <a:cs typeface="+mn-cs"/>
         </a:defRPr>
@@ -3934,7 +3917,7 @@
           <a:solidFill>
             <a:schemeClr val="tx1"/>
           </a:solidFill>
-          <a:latin typeface="Calisto MT"/>
+          <a:latin typeface="Montserrat"/>
           <a:ea typeface="+mn-ea"/>
           <a:cs typeface="+mn-cs"/>
         </a:defRPr>
@@ -4132,8 +4115,8 @@
           <a:lstStyle/>
           <a:p>
             <a:r>
-              <a:rPr lang="en-US" smtClean="0"/>
-              <a:t>Enterprise Service Bus</a:t>
+              <a:rPr lang="en-US" dirty="0" smtClean="0"/>
+              <a:t>SOA integration and mediation</a:t>
             </a:r>
             <a:endParaRPr lang="en-US" dirty="0"/>
           </a:p>
@@ -4151,7 +4134,9 @@
         </p:nvSpPr>
         <p:spPr/>
         <p:txBody>
-          <a:bodyPr/>
+          <a:bodyPr>
+            <a:normAutofit fontScale="92500" lnSpcReduction="20000"/>
+          </a:bodyPr>
           <a:lstStyle/>
           <a:p>
             <a:r>
@@ -4177,7 +4162,7 @@
                 <a:ea typeface="ヒラギノ角ゴ ProN W3" charset="0"/>
                 <a:cs typeface="ヒラギノ角ゴ ProN W3" charset="0"/>
               </a:rPr>
-              <a:t>Sep 2015</a:t>
+              <a:t>June 2016</a:t>
             </a:r>
             <a:endParaRPr lang="en-US" dirty="0">
               <a:ea typeface="ヒラギノ角ゴ ProN W3" charset="0"/>
@@ -4446,7 +4431,9 @@
         </p:nvSpPr>
         <p:spPr/>
         <p:txBody>
-          <a:bodyPr/>
+          <a:bodyPr>
+            <a:normAutofit fontScale="90000"/>
+          </a:bodyPr>
           <a:lstStyle/>
           <a:p>
             <a:r>
@@ -4523,7 +4510,9 @@
         </p:nvSpPr>
         <p:spPr/>
         <p:txBody>
-          <a:bodyPr/>
+          <a:bodyPr>
+            <a:normAutofit fontScale="90000"/>
+          </a:bodyPr>
           <a:lstStyle/>
           <a:p>
             <a:r>
@@ -4714,7 +4703,9 @@
         </p:nvSpPr>
         <p:spPr/>
         <p:txBody>
-          <a:bodyPr/>
+          <a:bodyPr>
+            <a:normAutofit lnSpcReduction="10000"/>
+          </a:bodyPr>
           <a:lstStyle/>
           <a:p>
             <a:r>
@@ -5588,2373 +5579,6 @@
 </file>
 
 <file path=ppt/slides/slide22.xml><?xml version="1.0" encoding="utf-8"?>
-<p:sld xmlns:a="http://schemas.openxmlformats.org/drawingml/2006/main" xmlns:r="http://schemas.openxmlformats.org/officeDocument/2006/relationships" xmlns:p="http://schemas.openxmlformats.org/presentationml/2006/main">
-  <p:cSld>
-    <p:spTree>
-      <p:nvGrpSpPr>
-        <p:cNvPr id="1" name=""/>
-        <p:cNvGrpSpPr/>
-        <p:nvPr/>
-      </p:nvGrpSpPr>
-      <p:grpSpPr>
-        <a:xfrm>
-          <a:off x="0" y="0"/>
-          <a:ext cx="0" cy="0"/>
-          <a:chOff x="0" y="0"/>
-          <a:chExt cx="0" cy="0"/>
-        </a:xfrm>
-      </p:grpSpPr>
-      <p:sp>
-        <p:nvSpPr>
-          <p:cNvPr id="27649" name="Rectangle 1"/>
-          <p:cNvSpPr>
-            <a:spLocks noGrp="1" noChangeArrowheads="1"/>
-          </p:cNvSpPr>
-          <p:nvPr>
-            <p:ph type="title"/>
-          </p:nvPr>
-        </p:nvSpPr>
-        <p:spPr>
-          <a:ln/>
-        </p:spPr>
-        <p:txBody>
-          <a:bodyPr/>
-          <a:lstStyle/>
-          <a:p>
-            <a:r>
-              <a:rPr lang="en-US"/>
-              <a:t>Basic Mediators</a:t>
-            </a:r>
-          </a:p>
-        </p:txBody>
-      </p:sp>
-      <p:graphicFrame>
-        <p:nvGraphicFramePr>
-          <p:cNvPr id="27650" name="Group 2"/>
-          <p:cNvGraphicFramePr>
-            <a:graphicFrameLocks noGrp="1"/>
-          </p:cNvGraphicFramePr>
-          <p:nvPr/>
-        </p:nvGraphicFramePr>
-        <p:xfrm>
-          <a:off x="462111" y="1472283"/>
-          <a:ext cx="8215312" cy="4157884"/>
-        </p:xfrm>
-        <a:graphic>
-          <a:graphicData uri="http://schemas.openxmlformats.org/drawingml/2006/table">
-            <a:tbl>
-              <a:tblPr/>
-              <a:tblGrid>
-                <a:gridCol w="2434456"/>
-                <a:gridCol w="5780856"/>
-              </a:tblGrid>
-              <a:tr h="398488">
-                <a:tc>
-                  <a:txBody>
-                    <a:bodyPr/>
-                    <a:lstStyle/>
-                    <a:p>
-                      <a:pPr marL="0" marR="0" lvl="0" indent="0" algn="l" defTabSz="914400" rtl="0" eaLnBrk="1" fontAlgn="base" latinLnBrk="0" hangingPunct="1">
-                        <a:lnSpc>
-                          <a:spcPct val="100000"/>
-                        </a:lnSpc>
-                        <a:spcBef>
-                          <a:spcPct val="0"/>
-                        </a:spcBef>
-                        <a:spcAft>
-                          <a:spcPct val="0"/>
-                        </a:spcAft>
-                        <a:buClr>
-                          <a:srgbClr val="343434"/>
-                        </a:buClr>
-                        <a:buSzPct val="80000"/>
-                        <a:buFont typeface="Tahoma" charset="0"/>
-                        <a:buNone/>
-                        <a:tabLst>
-                          <a:tab pos="1295400" algn="l"/>
-                        </a:tabLst>
-                      </a:pPr>
-                      <a:r>
-                        <a:rPr kumimoji="0" lang="en-US" sz="1600" b="1" i="0" u="none" strike="noStrike" cap="none" normalizeH="0" baseline="0">
-                          <a:ln>
-                            <a:noFill/>
-                          </a:ln>
-                          <a:solidFill>
-                            <a:schemeClr val="tx1"/>
-                          </a:solidFill>
-                          <a:effectLst/>
-                          <a:latin typeface="Tahoma" charset="0"/>
-                          <a:ea typeface="ヒラギノ角ゴ ProN W3" charset="0"/>
-                          <a:cs typeface="ヒラギノ角ゴ ProN W3" charset="0"/>
-                          <a:sym typeface="Tahoma" charset="0"/>
-                        </a:rPr>
-                        <a:t>Name</a:t>
-                      </a:r>
-                    </a:p>
-                  </a:txBody>
-                  <a:tcPr marL="35719" marR="35719" marT="35719" marB="35719" horzOverflow="overflow">
-                    <a:lnL w="28575" cap="flat" cmpd="sng" algn="ctr">
-                      <a:solidFill>
-                        <a:srgbClr val="000000"/>
-                      </a:solidFill>
-                      <a:prstDash val="solid"/>
-                      <a:round/>
-                      <a:headEnd type="none" w="med" len="med"/>
-                      <a:tailEnd type="none" w="med" len="med"/>
-                    </a:lnL>
-                    <a:lnR w="12700" cap="flat" cmpd="sng" algn="ctr">
-                      <a:solidFill>
-                        <a:srgbClr val="000000"/>
-                      </a:solidFill>
-                      <a:prstDash val="solid"/>
-                      <a:round/>
-                      <a:headEnd type="none" w="med" len="med"/>
-                      <a:tailEnd type="none" w="med" len="med"/>
-                    </a:lnR>
-                    <a:lnT w="28575" cap="flat" cmpd="sng" algn="ctr">
-                      <a:solidFill>
-                        <a:srgbClr val="000000"/>
-                      </a:solidFill>
-                      <a:prstDash val="solid"/>
-                      <a:round/>
-                      <a:headEnd type="none" w="med" len="med"/>
-                      <a:tailEnd type="none" w="med" len="med"/>
-                    </a:lnT>
-                    <a:lnB w="12700" cap="flat" cmpd="sng" algn="ctr">
-                      <a:solidFill>
-                        <a:srgbClr val="000000"/>
-                      </a:solidFill>
-                      <a:prstDash val="solid"/>
-                      <a:round/>
-                      <a:headEnd type="none" w="med" len="med"/>
-                      <a:tailEnd type="none" w="med" len="med"/>
-                    </a:lnB>
-                    <a:lnTlToBr>
-                      <a:noFill/>
-                    </a:lnTlToBr>
-                    <a:lnBlToTr>
-                      <a:noFill/>
-                    </a:lnBlToTr>
-                    <a:solidFill>
-                      <a:srgbClr val="000000">
-                        <a:alpha val="24706"/>
-                      </a:srgbClr>
-                    </a:solidFill>
-                  </a:tcPr>
-                </a:tc>
-                <a:tc>
-                  <a:txBody>
-                    <a:bodyPr/>
-                    <a:lstStyle/>
-                    <a:p>
-                      <a:pPr marL="0" marR="0" lvl="0" indent="0" algn="l" defTabSz="914400" rtl="0" eaLnBrk="1" fontAlgn="base" latinLnBrk="0" hangingPunct="1">
-                        <a:lnSpc>
-                          <a:spcPct val="100000"/>
-                        </a:lnSpc>
-                        <a:spcBef>
-                          <a:spcPct val="0"/>
-                        </a:spcBef>
-                        <a:spcAft>
-                          <a:spcPct val="0"/>
-                        </a:spcAft>
-                        <a:buClr>
-                          <a:srgbClr val="343434"/>
-                        </a:buClr>
-                        <a:buSzPct val="80000"/>
-                        <a:buFont typeface="Tahoma" charset="0"/>
-                        <a:buNone/>
-                        <a:tabLst>
-                          <a:tab pos="1295400" algn="l"/>
-                        </a:tabLst>
-                      </a:pPr>
-                      <a:r>
-                        <a:rPr kumimoji="0" lang="en-US" sz="1600" b="1" i="0" u="none" strike="noStrike" cap="none" normalizeH="0" baseline="0">
-                          <a:ln>
-                            <a:noFill/>
-                          </a:ln>
-                          <a:solidFill>
-                            <a:schemeClr val="tx1"/>
-                          </a:solidFill>
-                          <a:effectLst/>
-                          <a:latin typeface="Tahoma" charset="0"/>
-                          <a:ea typeface="ヒラギノ角ゴ ProN W3" charset="0"/>
-                          <a:cs typeface="ヒラギノ角ゴ ProN W3" charset="0"/>
-                          <a:sym typeface="Tahoma" charset="0"/>
-                        </a:rPr>
-                        <a:t>Description</a:t>
-                      </a:r>
-                    </a:p>
-                  </a:txBody>
-                  <a:tcPr marL="35719" marR="35719" marT="35719" marB="35719" horzOverflow="overflow">
-                    <a:lnL w="12700" cap="flat" cmpd="sng" algn="ctr">
-                      <a:solidFill>
-                        <a:srgbClr val="000000"/>
-                      </a:solidFill>
-                      <a:prstDash val="solid"/>
-                      <a:round/>
-                      <a:headEnd type="none" w="med" len="med"/>
-                      <a:tailEnd type="none" w="med" len="med"/>
-                    </a:lnL>
-                    <a:lnR w="28575" cap="flat" cmpd="sng" algn="ctr">
-                      <a:solidFill>
-                        <a:srgbClr val="000000"/>
-                      </a:solidFill>
-                      <a:prstDash val="solid"/>
-                      <a:round/>
-                      <a:headEnd type="none" w="med" len="med"/>
-                      <a:tailEnd type="none" w="med" len="med"/>
-                    </a:lnR>
-                    <a:lnT w="28575" cap="flat" cmpd="sng" algn="ctr">
-                      <a:solidFill>
-                        <a:srgbClr val="000000"/>
-                      </a:solidFill>
-                      <a:prstDash val="solid"/>
-                      <a:round/>
-                      <a:headEnd type="none" w="med" len="med"/>
-                      <a:tailEnd type="none" w="med" len="med"/>
-                    </a:lnT>
-                    <a:lnB w="12700" cap="flat" cmpd="sng" algn="ctr">
-                      <a:solidFill>
-                        <a:srgbClr val="000000"/>
-                      </a:solidFill>
-                      <a:prstDash val="solid"/>
-                      <a:round/>
-                      <a:headEnd type="none" w="med" len="med"/>
-                      <a:tailEnd type="none" w="med" len="med"/>
-                    </a:lnB>
-                    <a:lnTlToBr>
-                      <a:noFill/>
-                    </a:lnTlToBr>
-                    <a:lnBlToTr>
-                      <a:noFill/>
-                    </a:lnBlToTr>
-                    <a:solidFill>
-                      <a:srgbClr val="000000">
-                        <a:alpha val="24706"/>
-                      </a:srgbClr>
-                    </a:solidFill>
-                  </a:tcPr>
-                </a:tc>
-              </a:tr>
-              <a:tr h="508992">
-                <a:tc>
-                  <a:txBody>
-                    <a:bodyPr/>
-                    <a:lstStyle/>
-                    <a:p>
-                      <a:pPr marL="0" marR="0" lvl="0" indent="0" algn="l" defTabSz="914400" rtl="0" eaLnBrk="1" fontAlgn="base" latinLnBrk="0" hangingPunct="1">
-                        <a:lnSpc>
-                          <a:spcPct val="100000"/>
-                        </a:lnSpc>
-                        <a:spcBef>
-                          <a:spcPct val="0"/>
-                        </a:spcBef>
-                        <a:spcAft>
-                          <a:spcPct val="0"/>
-                        </a:spcAft>
-                        <a:buClr>
-                          <a:srgbClr val="343434"/>
-                        </a:buClr>
-                        <a:buSzPct val="80000"/>
-                        <a:buFont typeface="Tahoma" charset="0"/>
-                        <a:buNone/>
-                        <a:tabLst>
-                          <a:tab pos="1295400" algn="l"/>
-                        </a:tabLst>
-                      </a:pPr>
-                      <a:r>
-                        <a:rPr kumimoji="0" lang="en-US" sz="1400" b="0" i="0" u="none" strike="noStrike" cap="none" normalizeH="0" baseline="0">
-                          <a:ln>
-                            <a:noFill/>
-                          </a:ln>
-                          <a:solidFill>
-                            <a:schemeClr val="tx1"/>
-                          </a:solidFill>
-                          <a:effectLst/>
-                          <a:latin typeface="Tahoma" charset="0"/>
-                          <a:ea typeface="ヒラギノ角ゴ ProN W3" charset="0"/>
-                          <a:cs typeface="ヒラギノ角ゴ ProN W3" charset="0"/>
-                          <a:sym typeface="Tahoma" charset="0"/>
-                        </a:rPr>
-                        <a:t>Log Mediator</a:t>
-                      </a:r>
-                    </a:p>
-                  </a:txBody>
-                  <a:tcPr marL="35719" marR="35719" marT="35719" marB="35719" anchor="ctr" horzOverflow="overflow">
-                    <a:lnL w="28575" cap="flat" cmpd="sng" algn="ctr">
-                      <a:solidFill>
-                        <a:srgbClr val="000000"/>
-                      </a:solidFill>
-                      <a:prstDash val="solid"/>
-                      <a:round/>
-                      <a:headEnd type="none" w="med" len="med"/>
-                      <a:tailEnd type="none" w="med" len="med"/>
-                    </a:lnL>
-                    <a:lnR w="12700" cap="flat" cmpd="sng" algn="ctr">
-                      <a:solidFill>
-                        <a:srgbClr val="000000"/>
-                      </a:solidFill>
-                      <a:prstDash val="solid"/>
-                      <a:round/>
-                      <a:headEnd type="none" w="med" len="med"/>
-                      <a:tailEnd type="none" w="med" len="med"/>
-                    </a:lnR>
-                    <a:lnT w="12700" cap="flat" cmpd="sng" algn="ctr">
-                      <a:solidFill>
-                        <a:srgbClr val="000000"/>
-                      </a:solidFill>
-                      <a:prstDash val="solid"/>
-                      <a:round/>
-                      <a:headEnd type="none" w="med" len="med"/>
-                      <a:tailEnd type="none" w="med" len="med"/>
-                    </a:lnT>
-                    <a:lnB w="12700" cap="flat" cmpd="sng" algn="ctr">
-                      <a:solidFill>
-                        <a:srgbClr val="000000"/>
-                      </a:solidFill>
-                      <a:prstDash val="solid"/>
-                      <a:round/>
-                      <a:headEnd type="none" w="med" len="med"/>
-                      <a:tailEnd type="none" w="med" len="med"/>
-                    </a:lnB>
-                    <a:lnTlToBr>
-                      <a:noFill/>
-                    </a:lnTlToBr>
-                    <a:lnBlToTr>
-                      <a:noFill/>
-                    </a:lnBlToTr>
-                    <a:noFill/>
-                  </a:tcPr>
-                </a:tc>
-                <a:tc>
-                  <a:txBody>
-                    <a:bodyPr/>
-                    <a:lstStyle/>
-                    <a:p>
-                      <a:pPr marL="0" marR="0" lvl="0" indent="0" algn="l" defTabSz="914400" rtl="0" eaLnBrk="1" fontAlgn="base" latinLnBrk="0" hangingPunct="1">
-                        <a:lnSpc>
-                          <a:spcPct val="100000"/>
-                        </a:lnSpc>
-                        <a:spcBef>
-                          <a:spcPct val="0"/>
-                        </a:spcBef>
-                        <a:spcAft>
-                          <a:spcPct val="0"/>
-                        </a:spcAft>
-                        <a:buClr>
-                          <a:srgbClr val="343434"/>
-                        </a:buClr>
-                        <a:buSzPct val="80000"/>
-                        <a:buFont typeface="Tahoma" charset="0"/>
-                        <a:buNone/>
-                        <a:tabLst>
-                          <a:tab pos="1295400" algn="l"/>
-                        </a:tabLst>
-                      </a:pPr>
-                      <a:r>
-                        <a:rPr kumimoji="0" lang="en-US" sz="1400" b="0" i="0" u="none" strike="noStrike" cap="none" normalizeH="0" baseline="0">
-                          <a:ln>
-                            <a:noFill/>
-                          </a:ln>
-                          <a:solidFill>
-                            <a:schemeClr val="tx1"/>
-                          </a:solidFill>
-                          <a:effectLst/>
-                          <a:latin typeface="Tahoma" charset="0"/>
-                          <a:ea typeface="ヒラギノ角ゴ ProN W3" charset="0"/>
-                          <a:cs typeface="ヒラギノ角ゴ ProN W3" charset="0"/>
-                          <a:sym typeface="Tahoma" charset="0"/>
-                        </a:rPr>
-                        <a:t>Logs full or part of the message, at various severity levels ( Trace, Debug, etc)</a:t>
-                      </a:r>
-                    </a:p>
-                  </a:txBody>
-                  <a:tcPr marL="35719" marR="35719" marT="35719" marB="35719" horzOverflow="overflow">
-                    <a:lnL w="12700" cap="flat" cmpd="sng" algn="ctr">
-                      <a:solidFill>
-                        <a:srgbClr val="000000"/>
-                      </a:solidFill>
-                      <a:prstDash val="solid"/>
-                      <a:round/>
-                      <a:headEnd type="none" w="med" len="med"/>
-                      <a:tailEnd type="none" w="med" len="med"/>
-                    </a:lnL>
-                    <a:lnR w="28575" cap="flat" cmpd="sng" algn="ctr">
-                      <a:solidFill>
-                        <a:srgbClr val="000000"/>
-                      </a:solidFill>
-                      <a:prstDash val="solid"/>
-                      <a:round/>
-                      <a:headEnd type="none" w="med" len="med"/>
-                      <a:tailEnd type="none" w="med" len="med"/>
-                    </a:lnR>
-                    <a:lnT w="12700" cap="flat" cmpd="sng" algn="ctr">
-                      <a:solidFill>
-                        <a:srgbClr val="000000"/>
-                      </a:solidFill>
-                      <a:prstDash val="solid"/>
-                      <a:round/>
-                      <a:headEnd type="none" w="med" len="med"/>
-                      <a:tailEnd type="none" w="med" len="med"/>
-                    </a:lnT>
-                    <a:lnB w="12700" cap="flat" cmpd="sng" algn="ctr">
-                      <a:solidFill>
-                        <a:srgbClr val="000000"/>
-                      </a:solidFill>
-                      <a:prstDash val="solid"/>
-                      <a:round/>
-                      <a:headEnd type="none" w="med" len="med"/>
-                      <a:tailEnd type="none" w="med" len="med"/>
-                    </a:lnB>
-                    <a:lnTlToBr>
-                      <a:noFill/>
-                    </a:lnTlToBr>
-                    <a:lnBlToTr>
-                      <a:noFill/>
-                    </a:lnBlToTr>
-                    <a:noFill/>
-                  </a:tcPr>
-                </a:tc>
-              </a:tr>
-              <a:tr h="446484">
-                <a:tc>
-                  <a:txBody>
-                    <a:bodyPr/>
-                    <a:lstStyle/>
-                    <a:p>
-                      <a:pPr marL="0" marR="0" lvl="0" indent="0" algn="l" defTabSz="914400" rtl="0" eaLnBrk="1" fontAlgn="base" latinLnBrk="0" hangingPunct="1">
-                        <a:lnSpc>
-                          <a:spcPct val="100000"/>
-                        </a:lnSpc>
-                        <a:spcBef>
-                          <a:spcPct val="0"/>
-                        </a:spcBef>
-                        <a:spcAft>
-                          <a:spcPct val="0"/>
-                        </a:spcAft>
-                        <a:buClr>
-                          <a:srgbClr val="343434"/>
-                        </a:buClr>
-                        <a:buSzPct val="80000"/>
-                        <a:buFont typeface="Tahoma" charset="0"/>
-                        <a:buNone/>
-                        <a:tabLst>
-                          <a:tab pos="1295400" algn="l"/>
-                        </a:tabLst>
-                      </a:pPr>
-                      <a:r>
-                        <a:rPr kumimoji="0" lang="en-US" sz="1400" b="0" i="0" u="none" strike="noStrike" cap="none" normalizeH="0" baseline="0">
-                          <a:ln>
-                            <a:noFill/>
-                          </a:ln>
-                          <a:solidFill>
-                            <a:schemeClr val="tx1"/>
-                          </a:solidFill>
-                          <a:effectLst/>
-                          <a:latin typeface="Tahoma" charset="0"/>
-                          <a:ea typeface="ヒラギノ角ゴ ProN W3" charset="0"/>
-                          <a:cs typeface="ヒラギノ角ゴ ProN W3" charset="0"/>
-                          <a:sym typeface="Tahoma" charset="0"/>
-                        </a:rPr>
-                        <a:t>Sequence Mediator </a:t>
-                      </a:r>
-                    </a:p>
-                  </a:txBody>
-                  <a:tcPr marL="35719" marR="35719" marT="35719" marB="35719" anchor="ctr" horzOverflow="overflow">
-                    <a:lnL w="28575" cap="flat" cmpd="sng" algn="ctr">
-                      <a:solidFill>
-                        <a:srgbClr val="000000"/>
-                      </a:solidFill>
-                      <a:prstDash val="solid"/>
-                      <a:round/>
-                      <a:headEnd type="none" w="med" len="med"/>
-                      <a:tailEnd type="none" w="med" len="med"/>
-                    </a:lnL>
-                    <a:lnR w="12700" cap="flat" cmpd="sng" algn="ctr">
-                      <a:solidFill>
-                        <a:srgbClr val="000000"/>
-                      </a:solidFill>
-                      <a:prstDash val="solid"/>
-                      <a:round/>
-                      <a:headEnd type="none" w="med" len="med"/>
-                      <a:tailEnd type="none" w="med" len="med"/>
-                    </a:lnR>
-                    <a:lnT w="12700" cap="flat" cmpd="sng" algn="ctr">
-                      <a:solidFill>
-                        <a:srgbClr val="000000"/>
-                      </a:solidFill>
-                      <a:prstDash val="solid"/>
-                      <a:round/>
-                      <a:headEnd type="none" w="med" len="med"/>
-                      <a:tailEnd type="none" w="med" len="med"/>
-                    </a:lnT>
-                    <a:lnB w="12700" cap="flat" cmpd="sng" algn="ctr">
-                      <a:solidFill>
-                        <a:srgbClr val="000000"/>
-                      </a:solidFill>
-                      <a:prstDash val="solid"/>
-                      <a:round/>
-                      <a:headEnd type="none" w="med" len="med"/>
-                      <a:tailEnd type="none" w="med" len="med"/>
-                    </a:lnB>
-                    <a:lnTlToBr>
-                      <a:noFill/>
-                    </a:lnTlToBr>
-                    <a:lnBlToTr>
-                      <a:noFill/>
-                    </a:lnBlToTr>
-                    <a:noFill/>
-                  </a:tcPr>
-                </a:tc>
-                <a:tc>
-                  <a:txBody>
-                    <a:bodyPr/>
-                    <a:lstStyle/>
-                    <a:p>
-                      <a:pPr marL="0" marR="0" lvl="0" indent="0" algn="l" defTabSz="914400" rtl="0" eaLnBrk="1" fontAlgn="base" latinLnBrk="0" hangingPunct="1">
-                        <a:lnSpc>
-                          <a:spcPct val="100000"/>
-                        </a:lnSpc>
-                        <a:spcBef>
-                          <a:spcPct val="0"/>
-                        </a:spcBef>
-                        <a:spcAft>
-                          <a:spcPct val="0"/>
-                        </a:spcAft>
-                        <a:buClr>
-                          <a:srgbClr val="343434"/>
-                        </a:buClr>
-                        <a:buSzPct val="80000"/>
-                        <a:buFont typeface="Tahoma" charset="0"/>
-                        <a:buNone/>
-                        <a:tabLst>
-                          <a:tab pos="1295400" algn="l"/>
-                        </a:tabLst>
-                      </a:pPr>
-                      <a:r>
-                        <a:rPr kumimoji="0" lang="en-US" sz="1400" b="0" i="0" u="none" strike="noStrike" cap="none" normalizeH="0" baseline="0">
-                          <a:ln>
-                            <a:noFill/>
-                          </a:ln>
-                          <a:solidFill>
-                            <a:schemeClr val="tx1"/>
-                          </a:solidFill>
-                          <a:effectLst/>
-                          <a:latin typeface="Tahoma" charset="0"/>
-                          <a:ea typeface="ヒラギノ角ゴ ProN W3" charset="0"/>
-                          <a:cs typeface="ヒラギノ角ゴ ProN W3" charset="0"/>
-                          <a:sym typeface="Tahoma" charset="0"/>
-                        </a:rPr>
-                        <a:t>Invokes existing sequence - Sequence name can be static or dynamic</a:t>
-                      </a:r>
-                    </a:p>
-                  </a:txBody>
-                  <a:tcPr marL="35719" marR="35719" marT="35719" marB="35719" horzOverflow="overflow">
-                    <a:lnL w="12700" cap="flat" cmpd="sng" algn="ctr">
-                      <a:solidFill>
-                        <a:srgbClr val="000000"/>
-                      </a:solidFill>
-                      <a:prstDash val="solid"/>
-                      <a:round/>
-                      <a:headEnd type="none" w="med" len="med"/>
-                      <a:tailEnd type="none" w="med" len="med"/>
-                    </a:lnL>
-                    <a:lnR w="28575" cap="flat" cmpd="sng" algn="ctr">
-                      <a:solidFill>
-                        <a:srgbClr val="000000"/>
-                      </a:solidFill>
-                      <a:prstDash val="solid"/>
-                      <a:round/>
-                      <a:headEnd type="none" w="med" len="med"/>
-                      <a:tailEnd type="none" w="med" len="med"/>
-                    </a:lnR>
-                    <a:lnT w="12700" cap="flat" cmpd="sng" algn="ctr">
-                      <a:solidFill>
-                        <a:srgbClr val="000000"/>
-                      </a:solidFill>
-                      <a:prstDash val="solid"/>
-                      <a:round/>
-                      <a:headEnd type="none" w="med" len="med"/>
-                      <a:tailEnd type="none" w="med" len="med"/>
-                    </a:lnT>
-                    <a:lnB w="12700" cap="flat" cmpd="sng" algn="ctr">
-                      <a:solidFill>
-                        <a:srgbClr val="000000"/>
-                      </a:solidFill>
-                      <a:prstDash val="solid"/>
-                      <a:round/>
-                      <a:headEnd type="none" w="med" len="med"/>
-                      <a:tailEnd type="none" w="med" len="med"/>
-                    </a:lnB>
-                    <a:lnTlToBr>
-                      <a:noFill/>
-                    </a:lnTlToBr>
-                    <a:lnBlToTr>
-                      <a:noFill/>
-                    </a:lnBlToTr>
-                    <a:noFill/>
-                  </a:tcPr>
-                </a:tc>
-              </a:tr>
-              <a:tr h="446484">
-                <a:tc>
-                  <a:txBody>
-                    <a:bodyPr/>
-                    <a:lstStyle/>
-                    <a:p>
-                      <a:pPr marL="0" marR="0" lvl="0" indent="0" algn="l" defTabSz="914400" rtl="0" eaLnBrk="1" fontAlgn="base" latinLnBrk="0" hangingPunct="1">
-                        <a:lnSpc>
-                          <a:spcPct val="100000"/>
-                        </a:lnSpc>
-                        <a:spcBef>
-                          <a:spcPct val="0"/>
-                        </a:spcBef>
-                        <a:spcAft>
-                          <a:spcPct val="0"/>
-                        </a:spcAft>
-                        <a:buClr>
-                          <a:srgbClr val="343434"/>
-                        </a:buClr>
-                        <a:buSzPct val="80000"/>
-                        <a:buFont typeface="Tahoma" charset="0"/>
-                        <a:buNone/>
-                        <a:tabLst>
-                          <a:tab pos="1295400" algn="l"/>
-                        </a:tabLst>
-                      </a:pPr>
-                      <a:r>
-                        <a:rPr kumimoji="0" lang="en-US" sz="1400" b="0" i="0" u="none" strike="noStrike" cap="none" normalizeH="0" baseline="0">
-                          <a:ln>
-                            <a:noFill/>
-                          </a:ln>
-                          <a:solidFill>
-                            <a:schemeClr val="tx1"/>
-                          </a:solidFill>
-                          <a:effectLst/>
-                          <a:latin typeface="Tahoma" charset="0"/>
-                          <a:ea typeface="ヒラギノ角ゴ ProN W3" charset="0"/>
-                          <a:cs typeface="ヒラギノ角ゴ ProN W3" charset="0"/>
-                          <a:sym typeface="Tahoma" charset="0"/>
-                        </a:rPr>
-                        <a:t>Send Mediator</a:t>
-                      </a:r>
-                    </a:p>
-                  </a:txBody>
-                  <a:tcPr marL="35719" marR="35719" marT="35719" marB="35719" anchor="ctr" horzOverflow="overflow">
-                    <a:lnL w="28575" cap="flat" cmpd="sng" algn="ctr">
-                      <a:solidFill>
-                        <a:srgbClr val="000000"/>
-                      </a:solidFill>
-                      <a:prstDash val="solid"/>
-                      <a:round/>
-                      <a:headEnd type="none" w="med" len="med"/>
-                      <a:tailEnd type="none" w="med" len="med"/>
-                    </a:lnL>
-                    <a:lnR w="12700" cap="flat" cmpd="sng" algn="ctr">
-                      <a:solidFill>
-                        <a:srgbClr val="000000"/>
-                      </a:solidFill>
-                      <a:prstDash val="solid"/>
-                      <a:round/>
-                      <a:headEnd type="none" w="med" len="med"/>
-                      <a:tailEnd type="none" w="med" len="med"/>
-                    </a:lnR>
-                    <a:lnT w="12700" cap="flat" cmpd="sng" algn="ctr">
-                      <a:solidFill>
-                        <a:srgbClr val="000000"/>
-                      </a:solidFill>
-                      <a:prstDash val="solid"/>
-                      <a:round/>
-                      <a:headEnd type="none" w="med" len="med"/>
-                      <a:tailEnd type="none" w="med" len="med"/>
-                    </a:lnT>
-                    <a:lnB w="12700" cap="flat" cmpd="sng" algn="ctr">
-                      <a:solidFill>
-                        <a:srgbClr val="000000"/>
-                      </a:solidFill>
-                      <a:prstDash val="solid"/>
-                      <a:round/>
-                      <a:headEnd type="none" w="med" len="med"/>
-                      <a:tailEnd type="none" w="med" len="med"/>
-                    </a:lnB>
-                    <a:lnTlToBr>
-                      <a:noFill/>
-                    </a:lnTlToBr>
-                    <a:lnBlToTr>
-                      <a:noFill/>
-                    </a:lnBlToTr>
-                    <a:noFill/>
-                  </a:tcPr>
-                </a:tc>
-                <a:tc>
-                  <a:txBody>
-                    <a:bodyPr/>
-                    <a:lstStyle/>
-                    <a:p>
-                      <a:pPr marL="0" marR="0" lvl="0" indent="0" algn="l" defTabSz="914400" rtl="0" eaLnBrk="1" fontAlgn="base" latinLnBrk="0" hangingPunct="1">
-                        <a:lnSpc>
-                          <a:spcPct val="100000"/>
-                        </a:lnSpc>
-                        <a:spcBef>
-                          <a:spcPct val="0"/>
-                        </a:spcBef>
-                        <a:spcAft>
-                          <a:spcPct val="0"/>
-                        </a:spcAft>
-                        <a:buClr>
-                          <a:srgbClr val="343434"/>
-                        </a:buClr>
-                        <a:buSzPct val="80000"/>
-                        <a:buFont typeface="Tahoma" charset="0"/>
-                        <a:buNone/>
-                        <a:tabLst>
-                          <a:tab pos="1295400" algn="l"/>
-                        </a:tabLst>
-                      </a:pPr>
-                      <a:r>
-                        <a:rPr kumimoji="0" lang="en-US" sz="1400" b="0" i="0" u="none" strike="noStrike" cap="none" normalizeH="0" baseline="0">
-                          <a:ln>
-                            <a:noFill/>
-                          </a:ln>
-                          <a:solidFill>
-                            <a:schemeClr val="tx1"/>
-                          </a:solidFill>
-                          <a:effectLst/>
-                          <a:latin typeface="Tahoma" charset="0"/>
-                          <a:ea typeface="ヒラギノ角ゴ ProN W3" charset="0"/>
-                          <a:cs typeface="ヒラギノ角ゴ ProN W3" charset="0"/>
-                          <a:sym typeface="Tahoma" charset="0"/>
-                        </a:rPr>
-                        <a:t>Sends a message out, using static information or endpoint definition.</a:t>
-                      </a:r>
-                    </a:p>
-                  </a:txBody>
-                  <a:tcPr marL="35719" marR="35719" marT="35719" marB="35719" horzOverflow="overflow">
-                    <a:lnL w="12700" cap="flat" cmpd="sng" algn="ctr">
-                      <a:solidFill>
-                        <a:srgbClr val="000000"/>
-                      </a:solidFill>
-                      <a:prstDash val="solid"/>
-                      <a:round/>
-                      <a:headEnd type="none" w="med" len="med"/>
-                      <a:tailEnd type="none" w="med" len="med"/>
-                    </a:lnL>
-                    <a:lnR w="28575" cap="flat" cmpd="sng" algn="ctr">
-                      <a:solidFill>
-                        <a:srgbClr val="000000"/>
-                      </a:solidFill>
-                      <a:prstDash val="solid"/>
-                      <a:round/>
-                      <a:headEnd type="none" w="med" len="med"/>
-                      <a:tailEnd type="none" w="med" len="med"/>
-                    </a:lnR>
-                    <a:lnT w="12700" cap="flat" cmpd="sng" algn="ctr">
-                      <a:solidFill>
-                        <a:srgbClr val="000000"/>
-                      </a:solidFill>
-                      <a:prstDash val="solid"/>
-                      <a:round/>
-                      <a:headEnd type="none" w="med" len="med"/>
-                      <a:tailEnd type="none" w="med" len="med"/>
-                    </a:lnT>
-                    <a:lnB w="12700" cap="flat" cmpd="sng" algn="ctr">
-                      <a:solidFill>
-                        <a:srgbClr val="000000"/>
-                      </a:solidFill>
-                      <a:prstDash val="solid"/>
-                      <a:round/>
-                      <a:headEnd type="none" w="med" len="med"/>
-                      <a:tailEnd type="none" w="med" len="med"/>
-                    </a:lnB>
-                    <a:lnTlToBr>
-                      <a:noFill/>
-                    </a:lnTlToBr>
-                    <a:lnBlToTr>
-                      <a:noFill/>
-                    </a:lnBlToTr>
-                    <a:noFill/>
-                  </a:tcPr>
-                </a:tc>
-              </a:tr>
-              <a:tr h="446484">
-                <a:tc>
-                  <a:txBody>
-                    <a:bodyPr/>
-                    <a:lstStyle/>
-                    <a:p>
-                      <a:pPr marL="0" marR="0" lvl="0" indent="0" algn="l" defTabSz="914400" rtl="0" eaLnBrk="1" fontAlgn="base" latinLnBrk="0" hangingPunct="1">
-                        <a:lnSpc>
-                          <a:spcPct val="100000"/>
-                        </a:lnSpc>
-                        <a:spcBef>
-                          <a:spcPct val="0"/>
-                        </a:spcBef>
-                        <a:spcAft>
-                          <a:spcPct val="0"/>
-                        </a:spcAft>
-                        <a:buClr>
-                          <a:srgbClr val="343434"/>
-                        </a:buClr>
-                        <a:buSzPct val="80000"/>
-                        <a:buFont typeface="Tahoma" charset="0"/>
-                        <a:buNone/>
-                        <a:tabLst>
-                          <a:tab pos="1295400" algn="l"/>
-                        </a:tabLst>
-                      </a:pPr>
-                      <a:r>
-                        <a:rPr kumimoji="0" lang="en-US" sz="1400" b="0" i="0" u="none" strike="noStrike" cap="none" normalizeH="0" baseline="0">
-                          <a:ln>
-                            <a:noFill/>
-                          </a:ln>
-                          <a:solidFill>
-                            <a:schemeClr val="tx1"/>
-                          </a:solidFill>
-                          <a:effectLst/>
-                          <a:latin typeface="Tahoma" charset="0"/>
-                          <a:ea typeface="ヒラギノ角ゴ ProN W3" charset="0"/>
-                          <a:cs typeface="ヒラギノ角ゴ ProN W3" charset="0"/>
-                          <a:sym typeface="Tahoma" charset="0"/>
-                        </a:rPr>
-                        <a:t>Callout Mediator</a:t>
-                      </a:r>
-                    </a:p>
-                  </a:txBody>
-                  <a:tcPr marL="35719" marR="35719" marT="35719" marB="35719" anchor="ctr" horzOverflow="overflow">
-                    <a:lnL w="28575" cap="flat" cmpd="sng" algn="ctr">
-                      <a:solidFill>
-                        <a:srgbClr val="000000"/>
-                      </a:solidFill>
-                      <a:prstDash val="solid"/>
-                      <a:round/>
-                      <a:headEnd type="none" w="med" len="med"/>
-                      <a:tailEnd type="none" w="med" len="med"/>
-                    </a:lnL>
-                    <a:lnR w="12700" cap="flat" cmpd="sng" algn="ctr">
-                      <a:solidFill>
-                        <a:srgbClr val="000000"/>
-                      </a:solidFill>
-                      <a:prstDash val="solid"/>
-                      <a:round/>
-                      <a:headEnd type="none" w="med" len="med"/>
-                      <a:tailEnd type="none" w="med" len="med"/>
-                    </a:lnR>
-                    <a:lnT w="12700" cap="flat" cmpd="sng" algn="ctr">
-                      <a:solidFill>
-                        <a:srgbClr val="000000"/>
-                      </a:solidFill>
-                      <a:prstDash val="solid"/>
-                      <a:round/>
-                      <a:headEnd type="none" w="med" len="med"/>
-                      <a:tailEnd type="none" w="med" len="med"/>
-                    </a:lnT>
-                    <a:lnB w="12700" cap="flat" cmpd="sng" algn="ctr">
-                      <a:solidFill>
-                        <a:srgbClr val="000000"/>
-                      </a:solidFill>
-                      <a:prstDash val="solid"/>
-                      <a:round/>
-                      <a:headEnd type="none" w="med" len="med"/>
-                      <a:tailEnd type="none" w="med" len="med"/>
-                    </a:lnB>
-                    <a:lnTlToBr>
-                      <a:noFill/>
-                    </a:lnTlToBr>
-                    <a:lnBlToTr>
-                      <a:noFill/>
-                    </a:lnBlToTr>
-                    <a:noFill/>
-                  </a:tcPr>
-                </a:tc>
-                <a:tc>
-                  <a:txBody>
-                    <a:bodyPr/>
-                    <a:lstStyle/>
-                    <a:p>
-                      <a:pPr marL="0" marR="0" lvl="0" indent="0" algn="l" defTabSz="914400" rtl="0" eaLnBrk="1" fontAlgn="base" latinLnBrk="0" hangingPunct="1">
-                        <a:lnSpc>
-                          <a:spcPct val="100000"/>
-                        </a:lnSpc>
-                        <a:spcBef>
-                          <a:spcPct val="0"/>
-                        </a:spcBef>
-                        <a:spcAft>
-                          <a:spcPct val="0"/>
-                        </a:spcAft>
-                        <a:buClr>
-                          <a:srgbClr val="343434"/>
-                        </a:buClr>
-                        <a:buSzPct val="80000"/>
-                        <a:buFont typeface="Tahoma" charset="0"/>
-                        <a:buNone/>
-                        <a:tabLst>
-                          <a:tab pos="1295400" algn="l"/>
-                        </a:tabLst>
-                      </a:pPr>
-                      <a:r>
-                        <a:rPr kumimoji="0" lang="en-US" sz="1400" b="0" i="0" u="none" strike="noStrike" cap="none" normalizeH="0" baseline="0">
-                          <a:ln>
-                            <a:noFill/>
-                          </a:ln>
-                          <a:solidFill>
-                            <a:schemeClr val="tx1"/>
-                          </a:solidFill>
-                          <a:effectLst/>
-                          <a:latin typeface="Tahoma" charset="0"/>
-                          <a:ea typeface="ヒラギノ角ゴ ProN W3" charset="0"/>
-                          <a:cs typeface="ヒラギノ角ゴ ProN W3" charset="0"/>
-                          <a:sym typeface="Tahoma" charset="0"/>
-                        </a:rPr>
-                        <a:t>Performs a blocking external service invocation.</a:t>
-                      </a:r>
-                    </a:p>
-                  </a:txBody>
-                  <a:tcPr marL="35719" marR="35719" marT="35719" marB="35719" horzOverflow="overflow">
-                    <a:lnL w="12700" cap="flat" cmpd="sng" algn="ctr">
-                      <a:solidFill>
-                        <a:srgbClr val="000000"/>
-                      </a:solidFill>
-                      <a:prstDash val="solid"/>
-                      <a:round/>
-                      <a:headEnd type="none" w="med" len="med"/>
-                      <a:tailEnd type="none" w="med" len="med"/>
-                    </a:lnL>
-                    <a:lnR w="28575" cap="flat" cmpd="sng" algn="ctr">
-                      <a:solidFill>
-                        <a:srgbClr val="000000"/>
-                      </a:solidFill>
-                      <a:prstDash val="solid"/>
-                      <a:round/>
-                      <a:headEnd type="none" w="med" len="med"/>
-                      <a:tailEnd type="none" w="med" len="med"/>
-                    </a:lnR>
-                    <a:lnT w="12700" cap="flat" cmpd="sng" algn="ctr">
-                      <a:solidFill>
-                        <a:srgbClr val="000000"/>
-                      </a:solidFill>
-                      <a:prstDash val="solid"/>
-                      <a:round/>
-                      <a:headEnd type="none" w="med" len="med"/>
-                      <a:tailEnd type="none" w="med" len="med"/>
-                    </a:lnT>
-                    <a:lnB w="12700" cap="flat" cmpd="sng" algn="ctr">
-                      <a:solidFill>
-                        <a:srgbClr val="000000"/>
-                      </a:solidFill>
-                      <a:prstDash val="solid"/>
-                      <a:round/>
-                      <a:headEnd type="none" w="med" len="med"/>
-                      <a:tailEnd type="none" w="med" len="med"/>
-                    </a:lnB>
-                    <a:lnTlToBr>
-                      <a:noFill/>
-                    </a:lnTlToBr>
-                    <a:lnBlToTr>
-                      <a:noFill/>
-                    </a:lnBlToTr>
-                    <a:noFill/>
-                  </a:tcPr>
-                </a:tc>
-              </a:tr>
-              <a:tr h="508992">
-                <a:tc>
-                  <a:txBody>
-                    <a:bodyPr/>
-                    <a:lstStyle/>
-                    <a:p>
-                      <a:pPr marL="0" marR="0" lvl="0" indent="0" algn="l" defTabSz="914400" rtl="0" eaLnBrk="1" fontAlgn="base" latinLnBrk="0" hangingPunct="1">
-                        <a:lnSpc>
-                          <a:spcPct val="100000"/>
-                        </a:lnSpc>
-                        <a:spcBef>
-                          <a:spcPct val="0"/>
-                        </a:spcBef>
-                        <a:spcAft>
-                          <a:spcPct val="0"/>
-                        </a:spcAft>
-                        <a:buClr>
-                          <a:srgbClr val="343434"/>
-                        </a:buClr>
-                        <a:buSzPct val="80000"/>
-                        <a:buFont typeface="Tahoma" charset="0"/>
-                        <a:buNone/>
-                        <a:tabLst>
-                          <a:tab pos="1295400" algn="l"/>
-                        </a:tabLst>
-                      </a:pPr>
-                      <a:r>
-                        <a:rPr kumimoji="0" lang="en-US" sz="1400" b="0" i="0" u="none" strike="noStrike" cap="none" normalizeH="0" baseline="0">
-                          <a:ln>
-                            <a:noFill/>
-                          </a:ln>
-                          <a:solidFill>
-                            <a:schemeClr val="tx1"/>
-                          </a:solidFill>
-                          <a:effectLst/>
-                          <a:latin typeface="Tahoma" charset="0"/>
-                          <a:ea typeface="ヒラギノ角ゴ ProN W3" charset="0"/>
-                          <a:cs typeface="ヒラギノ角ゴ ProN W3" charset="0"/>
-                          <a:sym typeface="Tahoma" charset="0"/>
-                        </a:rPr>
-                        <a:t>Switch Mediator</a:t>
-                      </a:r>
-                    </a:p>
-                  </a:txBody>
-                  <a:tcPr marL="35719" marR="35719" marT="35719" marB="35719" anchor="ctr" horzOverflow="overflow">
-                    <a:lnL w="28575" cap="flat" cmpd="sng" algn="ctr">
-                      <a:solidFill>
-                        <a:srgbClr val="000000"/>
-                      </a:solidFill>
-                      <a:prstDash val="solid"/>
-                      <a:round/>
-                      <a:headEnd type="none" w="med" len="med"/>
-                      <a:tailEnd type="none" w="med" len="med"/>
-                    </a:lnL>
-                    <a:lnR w="12700" cap="flat" cmpd="sng" algn="ctr">
-                      <a:solidFill>
-                        <a:srgbClr val="000000"/>
-                      </a:solidFill>
-                      <a:prstDash val="solid"/>
-                      <a:round/>
-                      <a:headEnd type="none" w="med" len="med"/>
-                      <a:tailEnd type="none" w="med" len="med"/>
-                    </a:lnR>
-                    <a:lnT w="12700" cap="flat" cmpd="sng" algn="ctr">
-                      <a:solidFill>
-                        <a:srgbClr val="000000"/>
-                      </a:solidFill>
-                      <a:prstDash val="solid"/>
-                      <a:round/>
-                      <a:headEnd type="none" w="med" len="med"/>
-                      <a:tailEnd type="none" w="med" len="med"/>
-                    </a:lnT>
-                    <a:lnB w="12700" cap="flat" cmpd="sng" algn="ctr">
-                      <a:solidFill>
-                        <a:srgbClr val="000000"/>
-                      </a:solidFill>
-                      <a:prstDash val="solid"/>
-                      <a:round/>
-                      <a:headEnd type="none" w="med" len="med"/>
-                      <a:tailEnd type="none" w="med" len="med"/>
-                    </a:lnB>
-                    <a:lnTlToBr>
-                      <a:noFill/>
-                    </a:lnTlToBr>
-                    <a:lnBlToTr>
-                      <a:noFill/>
-                    </a:lnBlToTr>
-                    <a:noFill/>
-                  </a:tcPr>
-                </a:tc>
-                <a:tc>
-                  <a:txBody>
-                    <a:bodyPr/>
-                    <a:lstStyle/>
-                    <a:p>
-                      <a:pPr marL="0" marR="0" lvl="0" indent="0" algn="l" defTabSz="914400" rtl="0" eaLnBrk="1" fontAlgn="base" latinLnBrk="0" hangingPunct="1">
-                        <a:lnSpc>
-                          <a:spcPct val="100000"/>
-                        </a:lnSpc>
-                        <a:spcBef>
-                          <a:spcPct val="0"/>
-                        </a:spcBef>
-                        <a:spcAft>
-                          <a:spcPct val="0"/>
-                        </a:spcAft>
-                        <a:buClr>
-                          <a:srgbClr val="343434"/>
-                        </a:buClr>
-                        <a:buSzPct val="80000"/>
-                        <a:buFont typeface="Tahoma" charset="0"/>
-                        <a:buNone/>
-                        <a:tabLst>
-                          <a:tab pos="1295400" algn="l"/>
-                        </a:tabLst>
-                      </a:pPr>
-                      <a:r>
-                        <a:rPr kumimoji="0" lang="en-US" sz="1400" b="0" i="0" u="none" strike="noStrike" cap="none" normalizeH="0" baseline="0">
-                          <a:ln>
-                            <a:noFill/>
-                          </a:ln>
-                          <a:solidFill>
-                            <a:schemeClr val="tx1"/>
-                          </a:solidFill>
-                          <a:effectLst/>
-                          <a:latin typeface="Tahoma" charset="0"/>
-                          <a:ea typeface="ヒラギノ角ゴ ProN W3" charset="0"/>
-                          <a:cs typeface="ヒラギノ角ゴ ProN W3" charset="0"/>
-                          <a:sym typeface="Tahoma" charset="0"/>
-                        </a:rPr>
-                        <a:t>Evaluates messages contents against regular expression and invokes the corresponding mediator (switch-case-default)</a:t>
-                      </a:r>
-                    </a:p>
-                  </a:txBody>
-                  <a:tcPr marL="35719" marR="35719" marT="35719" marB="35719" horzOverflow="overflow">
-                    <a:lnL w="12700" cap="flat" cmpd="sng" algn="ctr">
-                      <a:solidFill>
-                        <a:srgbClr val="000000"/>
-                      </a:solidFill>
-                      <a:prstDash val="solid"/>
-                      <a:round/>
-                      <a:headEnd type="none" w="med" len="med"/>
-                      <a:tailEnd type="none" w="med" len="med"/>
-                    </a:lnL>
-                    <a:lnR w="28575" cap="flat" cmpd="sng" algn="ctr">
-                      <a:solidFill>
-                        <a:srgbClr val="000000"/>
-                      </a:solidFill>
-                      <a:prstDash val="solid"/>
-                      <a:round/>
-                      <a:headEnd type="none" w="med" len="med"/>
-                      <a:tailEnd type="none" w="med" len="med"/>
-                    </a:lnR>
-                    <a:lnT w="12700" cap="flat" cmpd="sng" algn="ctr">
-                      <a:solidFill>
-                        <a:srgbClr val="000000"/>
-                      </a:solidFill>
-                      <a:prstDash val="solid"/>
-                      <a:round/>
-                      <a:headEnd type="none" w="med" len="med"/>
-                      <a:tailEnd type="none" w="med" len="med"/>
-                    </a:lnT>
-                    <a:lnB w="12700" cap="flat" cmpd="sng" algn="ctr">
-                      <a:solidFill>
-                        <a:srgbClr val="000000"/>
-                      </a:solidFill>
-                      <a:prstDash val="solid"/>
-                      <a:round/>
-                      <a:headEnd type="none" w="med" len="med"/>
-                      <a:tailEnd type="none" w="med" len="med"/>
-                    </a:lnB>
-                    <a:lnTlToBr>
-                      <a:noFill/>
-                    </a:lnTlToBr>
-                    <a:lnBlToTr>
-                      <a:noFill/>
-                    </a:lnBlToTr>
-                    <a:noFill/>
-                  </a:tcPr>
-                </a:tc>
-              </a:tr>
-              <a:tr h="508992">
-                <a:tc>
-                  <a:txBody>
-                    <a:bodyPr/>
-                    <a:lstStyle/>
-                    <a:p>
-                      <a:pPr marL="0" marR="0" lvl="0" indent="0" algn="l" defTabSz="914400" rtl="0" eaLnBrk="1" fontAlgn="base" latinLnBrk="0" hangingPunct="1">
-                        <a:lnSpc>
-                          <a:spcPct val="100000"/>
-                        </a:lnSpc>
-                        <a:spcBef>
-                          <a:spcPct val="0"/>
-                        </a:spcBef>
-                        <a:spcAft>
-                          <a:spcPct val="0"/>
-                        </a:spcAft>
-                        <a:buClr>
-                          <a:srgbClr val="343434"/>
-                        </a:buClr>
-                        <a:buSzPct val="80000"/>
-                        <a:buFont typeface="Tahoma" charset="0"/>
-                        <a:buNone/>
-                        <a:tabLst>
-                          <a:tab pos="1295400" algn="l"/>
-                        </a:tabLst>
-                      </a:pPr>
-                      <a:r>
-                        <a:rPr kumimoji="0" lang="en-US" sz="1400" b="0" i="0" u="none" strike="noStrike" cap="none" normalizeH="0" baseline="0">
-                          <a:ln>
-                            <a:noFill/>
-                          </a:ln>
-                          <a:solidFill>
-                            <a:schemeClr val="tx1"/>
-                          </a:solidFill>
-                          <a:effectLst/>
-                          <a:latin typeface="Tahoma" charset="0"/>
-                          <a:ea typeface="ヒラギノ角ゴ ProN W3" charset="0"/>
-                          <a:cs typeface="ヒラギノ角ゴ ProN W3" charset="0"/>
-                          <a:sym typeface="Tahoma" charset="0"/>
-                        </a:rPr>
-                        <a:t>Validate Mediator</a:t>
-                      </a:r>
-                    </a:p>
-                  </a:txBody>
-                  <a:tcPr marL="35719" marR="35719" marT="35719" marB="35719" anchor="ctr" horzOverflow="overflow">
-                    <a:lnL w="28575" cap="flat" cmpd="sng" algn="ctr">
-                      <a:solidFill>
-                        <a:srgbClr val="000000"/>
-                      </a:solidFill>
-                      <a:prstDash val="solid"/>
-                      <a:round/>
-                      <a:headEnd type="none" w="med" len="med"/>
-                      <a:tailEnd type="none" w="med" len="med"/>
-                    </a:lnL>
-                    <a:lnR w="12700" cap="flat" cmpd="sng" algn="ctr">
-                      <a:solidFill>
-                        <a:srgbClr val="000000"/>
-                      </a:solidFill>
-                      <a:prstDash val="solid"/>
-                      <a:round/>
-                      <a:headEnd type="none" w="med" len="med"/>
-                      <a:tailEnd type="none" w="med" len="med"/>
-                    </a:lnR>
-                    <a:lnT w="12700" cap="flat" cmpd="sng" algn="ctr">
-                      <a:solidFill>
-                        <a:srgbClr val="000000"/>
-                      </a:solidFill>
-                      <a:prstDash val="solid"/>
-                      <a:round/>
-                      <a:headEnd type="none" w="med" len="med"/>
-                      <a:tailEnd type="none" w="med" len="med"/>
-                    </a:lnT>
-                    <a:lnB w="12700" cap="flat" cmpd="sng" algn="ctr">
-                      <a:solidFill>
-                        <a:srgbClr val="000000"/>
-                      </a:solidFill>
-                      <a:prstDash val="solid"/>
-                      <a:round/>
-                      <a:headEnd type="none" w="med" len="med"/>
-                      <a:tailEnd type="none" w="med" len="med"/>
-                    </a:lnB>
-                    <a:lnTlToBr>
-                      <a:noFill/>
-                    </a:lnTlToBr>
-                    <a:lnBlToTr>
-                      <a:noFill/>
-                    </a:lnBlToTr>
-                    <a:noFill/>
-                  </a:tcPr>
-                </a:tc>
-                <a:tc>
-                  <a:txBody>
-                    <a:bodyPr/>
-                    <a:lstStyle/>
-                    <a:p>
-                      <a:pPr marL="0" marR="0" lvl="0" indent="0" algn="l" defTabSz="914400" rtl="0" eaLnBrk="1" fontAlgn="base" latinLnBrk="0" hangingPunct="1">
-                        <a:lnSpc>
-                          <a:spcPct val="100000"/>
-                        </a:lnSpc>
-                        <a:spcBef>
-                          <a:spcPct val="0"/>
-                        </a:spcBef>
-                        <a:spcAft>
-                          <a:spcPct val="0"/>
-                        </a:spcAft>
-                        <a:buClr>
-                          <a:srgbClr val="343434"/>
-                        </a:buClr>
-                        <a:buSzPct val="80000"/>
-                        <a:buFont typeface="Tahoma" charset="0"/>
-                        <a:buNone/>
-                        <a:tabLst>
-                          <a:tab pos="1295400" algn="l"/>
-                        </a:tabLst>
-                      </a:pPr>
-                      <a:r>
-                        <a:rPr kumimoji="0" lang="en-US" sz="1400" b="0" i="0" u="none" strike="noStrike" cap="none" normalizeH="0" baseline="0">
-                          <a:ln>
-                            <a:noFill/>
-                          </a:ln>
-                          <a:solidFill>
-                            <a:schemeClr val="tx1"/>
-                          </a:solidFill>
-                          <a:effectLst/>
-                          <a:latin typeface="Tahoma" charset="0"/>
-                          <a:ea typeface="ヒラギノ角ゴ ProN W3" charset="0"/>
-                          <a:cs typeface="ヒラギノ角ゴ ProN W3" charset="0"/>
-                          <a:sym typeface="Tahoma" charset="0"/>
-                        </a:rPr>
-                        <a:t>Validates message or parts of message against XML schema (schema can be local or in registry)</a:t>
-                      </a:r>
-                    </a:p>
-                  </a:txBody>
-                  <a:tcPr marL="35719" marR="35719" marT="35719" marB="35719" horzOverflow="overflow">
-                    <a:lnL w="12700" cap="flat" cmpd="sng" algn="ctr">
-                      <a:solidFill>
-                        <a:srgbClr val="000000"/>
-                      </a:solidFill>
-                      <a:prstDash val="solid"/>
-                      <a:round/>
-                      <a:headEnd type="none" w="med" len="med"/>
-                      <a:tailEnd type="none" w="med" len="med"/>
-                    </a:lnL>
-                    <a:lnR w="28575" cap="flat" cmpd="sng" algn="ctr">
-                      <a:solidFill>
-                        <a:srgbClr val="000000"/>
-                      </a:solidFill>
-                      <a:prstDash val="solid"/>
-                      <a:round/>
-                      <a:headEnd type="none" w="med" len="med"/>
-                      <a:tailEnd type="none" w="med" len="med"/>
-                    </a:lnR>
-                    <a:lnT w="12700" cap="flat" cmpd="sng" algn="ctr">
-                      <a:solidFill>
-                        <a:srgbClr val="000000"/>
-                      </a:solidFill>
-                      <a:prstDash val="solid"/>
-                      <a:round/>
-                      <a:headEnd type="none" w="med" len="med"/>
-                      <a:tailEnd type="none" w="med" len="med"/>
-                    </a:lnT>
-                    <a:lnB w="12700" cap="flat" cmpd="sng" algn="ctr">
-                      <a:solidFill>
-                        <a:srgbClr val="000000"/>
-                      </a:solidFill>
-                      <a:prstDash val="solid"/>
-                      <a:round/>
-                      <a:headEnd type="none" w="med" len="med"/>
-                      <a:tailEnd type="none" w="med" len="med"/>
-                    </a:lnB>
-                    <a:lnTlToBr>
-                      <a:noFill/>
-                    </a:lnTlToBr>
-                    <a:lnBlToTr>
-                      <a:noFill/>
-                    </a:lnBlToTr>
-                    <a:noFill/>
-                  </a:tcPr>
-                </a:tc>
-              </a:tr>
-              <a:tr h="446484">
-                <a:tc>
-                  <a:txBody>
-                    <a:bodyPr/>
-                    <a:lstStyle/>
-                    <a:p>
-                      <a:pPr marL="0" marR="0" lvl="0" indent="0" algn="l" defTabSz="914400" rtl="0" eaLnBrk="1" fontAlgn="base" latinLnBrk="0" hangingPunct="1">
-                        <a:lnSpc>
-                          <a:spcPct val="100000"/>
-                        </a:lnSpc>
-                        <a:spcBef>
-                          <a:spcPct val="0"/>
-                        </a:spcBef>
-                        <a:spcAft>
-                          <a:spcPct val="0"/>
-                        </a:spcAft>
-                        <a:buClr>
-                          <a:srgbClr val="343434"/>
-                        </a:buClr>
-                        <a:buSzPct val="80000"/>
-                        <a:buFont typeface="Tahoma" charset="0"/>
-                        <a:buNone/>
-                        <a:tabLst>
-                          <a:tab pos="1295400" algn="l"/>
-                        </a:tabLst>
-                      </a:pPr>
-                      <a:r>
-                        <a:rPr kumimoji="0" lang="en-US" sz="1400" b="0" i="0" u="none" strike="noStrike" cap="none" normalizeH="0" baseline="0">
-                          <a:ln>
-                            <a:noFill/>
-                          </a:ln>
-                          <a:solidFill>
-                            <a:schemeClr val="tx1"/>
-                          </a:solidFill>
-                          <a:effectLst/>
-                          <a:latin typeface="Tahoma" charset="0"/>
-                          <a:ea typeface="ヒラギノ角ゴ ProN W3" charset="0"/>
-                          <a:cs typeface="ヒラギノ角ゴ ProN W3" charset="0"/>
-                          <a:sym typeface="Tahoma" charset="0"/>
-                        </a:rPr>
-                        <a:t>Drop Mediator</a:t>
-                      </a:r>
-                    </a:p>
-                  </a:txBody>
-                  <a:tcPr marL="35719" marR="35719" marT="35719" marB="35719" anchor="ctr" horzOverflow="overflow">
-                    <a:lnL w="28575" cap="flat" cmpd="sng" algn="ctr">
-                      <a:solidFill>
-                        <a:srgbClr val="000000"/>
-                      </a:solidFill>
-                      <a:prstDash val="solid"/>
-                      <a:round/>
-                      <a:headEnd type="none" w="med" len="med"/>
-                      <a:tailEnd type="none" w="med" len="med"/>
-                    </a:lnL>
-                    <a:lnR w="12700" cap="flat" cmpd="sng" algn="ctr">
-                      <a:solidFill>
-                        <a:srgbClr val="000000"/>
-                      </a:solidFill>
-                      <a:prstDash val="solid"/>
-                      <a:round/>
-                      <a:headEnd type="none" w="med" len="med"/>
-                      <a:tailEnd type="none" w="med" len="med"/>
-                    </a:lnR>
-                    <a:lnT w="12700" cap="flat" cmpd="sng" algn="ctr">
-                      <a:solidFill>
-                        <a:srgbClr val="000000"/>
-                      </a:solidFill>
-                      <a:prstDash val="solid"/>
-                      <a:round/>
-                      <a:headEnd type="none" w="med" len="med"/>
-                      <a:tailEnd type="none" w="med" len="med"/>
-                    </a:lnT>
-                    <a:lnB w="12700" cap="flat" cmpd="sng" algn="ctr">
-                      <a:solidFill>
-                        <a:srgbClr val="000000"/>
-                      </a:solidFill>
-                      <a:prstDash val="solid"/>
-                      <a:round/>
-                      <a:headEnd type="none" w="med" len="med"/>
-                      <a:tailEnd type="none" w="med" len="med"/>
-                    </a:lnB>
-                    <a:lnTlToBr>
-                      <a:noFill/>
-                    </a:lnTlToBr>
-                    <a:lnBlToTr>
-                      <a:noFill/>
-                    </a:lnBlToTr>
-                    <a:noFill/>
-                  </a:tcPr>
-                </a:tc>
-                <a:tc>
-                  <a:txBody>
-                    <a:bodyPr/>
-                    <a:lstStyle/>
-                    <a:p>
-                      <a:pPr marL="0" marR="0" lvl="0" indent="0" algn="l" defTabSz="914400" rtl="0" eaLnBrk="1" fontAlgn="base" latinLnBrk="0" hangingPunct="1">
-                        <a:lnSpc>
-                          <a:spcPct val="100000"/>
-                        </a:lnSpc>
-                        <a:spcBef>
-                          <a:spcPct val="0"/>
-                        </a:spcBef>
-                        <a:spcAft>
-                          <a:spcPct val="0"/>
-                        </a:spcAft>
-                        <a:buClr>
-                          <a:srgbClr val="343434"/>
-                        </a:buClr>
-                        <a:buSzPct val="80000"/>
-                        <a:buFont typeface="Tahoma" charset="0"/>
-                        <a:buNone/>
-                        <a:tabLst>
-                          <a:tab pos="1295400" algn="l"/>
-                        </a:tabLst>
-                      </a:pPr>
-                      <a:r>
-                        <a:rPr kumimoji="0" lang="en-US" sz="1400" b="0" i="0" u="none" strike="noStrike" cap="none" normalizeH="0" baseline="0">
-                          <a:ln>
-                            <a:noFill/>
-                          </a:ln>
-                          <a:solidFill>
-                            <a:schemeClr val="tx1"/>
-                          </a:solidFill>
-                          <a:effectLst/>
-                          <a:latin typeface="Tahoma" charset="0"/>
-                          <a:ea typeface="ヒラギノ角ゴ ProN W3" charset="0"/>
-                          <a:cs typeface="ヒラギノ角ゴ ProN W3" charset="0"/>
-                          <a:sym typeface="Tahoma" charset="0"/>
-                        </a:rPr>
-                        <a:t>Stops processing of current message</a:t>
-                      </a:r>
-                    </a:p>
-                  </a:txBody>
-                  <a:tcPr marL="35719" marR="35719" marT="35719" marB="35719" horzOverflow="overflow">
-                    <a:lnL w="12700" cap="flat" cmpd="sng" algn="ctr">
-                      <a:solidFill>
-                        <a:srgbClr val="000000"/>
-                      </a:solidFill>
-                      <a:prstDash val="solid"/>
-                      <a:round/>
-                      <a:headEnd type="none" w="med" len="med"/>
-                      <a:tailEnd type="none" w="med" len="med"/>
-                    </a:lnL>
-                    <a:lnR w="28575" cap="flat" cmpd="sng" algn="ctr">
-                      <a:solidFill>
-                        <a:srgbClr val="000000"/>
-                      </a:solidFill>
-                      <a:prstDash val="solid"/>
-                      <a:round/>
-                      <a:headEnd type="none" w="med" len="med"/>
-                      <a:tailEnd type="none" w="med" len="med"/>
-                    </a:lnR>
-                    <a:lnT w="12700" cap="flat" cmpd="sng" algn="ctr">
-                      <a:solidFill>
-                        <a:srgbClr val="000000"/>
-                      </a:solidFill>
-                      <a:prstDash val="solid"/>
-                      <a:round/>
-                      <a:headEnd type="none" w="med" len="med"/>
-                      <a:tailEnd type="none" w="med" len="med"/>
-                    </a:lnT>
-                    <a:lnB w="12700" cap="flat" cmpd="sng" algn="ctr">
-                      <a:solidFill>
-                        <a:srgbClr val="000000"/>
-                      </a:solidFill>
-                      <a:prstDash val="solid"/>
-                      <a:round/>
-                      <a:headEnd type="none" w="med" len="med"/>
-                      <a:tailEnd type="none" w="med" len="med"/>
-                    </a:lnB>
-                    <a:lnTlToBr>
-                      <a:noFill/>
-                    </a:lnTlToBr>
-                    <a:lnBlToTr>
-                      <a:noFill/>
-                    </a:lnBlToTr>
-                    <a:noFill/>
-                  </a:tcPr>
-                </a:tc>
-              </a:tr>
-              <a:tr h="446484">
-                <a:tc>
-                  <a:txBody>
-                    <a:bodyPr/>
-                    <a:lstStyle/>
-                    <a:p>
-                      <a:pPr marL="0" marR="0" lvl="0" indent="0" algn="l" defTabSz="914400" rtl="0" eaLnBrk="1" fontAlgn="base" latinLnBrk="0" hangingPunct="1">
-                        <a:lnSpc>
-                          <a:spcPct val="100000"/>
-                        </a:lnSpc>
-                        <a:spcBef>
-                          <a:spcPct val="0"/>
-                        </a:spcBef>
-                        <a:spcAft>
-                          <a:spcPct val="0"/>
-                        </a:spcAft>
-                        <a:buClr>
-                          <a:srgbClr val="343434"/>
-                        </a:buClr>
-                        <a:buSzPct val="80000"/>
-                        <a:buFont typeface="Tahoma" charset="0"/>
-                        <a:buNone/>
-                        <a:tabLst>
-                          <a:tab pos="1295400" algn="l"/>
-                        </a:tabLst>
-                      </a:pPr>
-                      <a:r>
-                        <a:rPr kumimoji="0" lang="en-US" sz="1400" b="0" i="0" u="none" strike="noStrike" cap="none" normalizeH="0" baseline="0">
-                          <a:ln>
-                            <a:noFill/>
-                          </a:ln>
-                          <a:solidFill>
-                            <a:schemeClr val="tx1"/>
-                          </a:solidFill>
-                          <a:effectLst/>
-                          <a:latin typeface="Tahoma" charset="0"/>
-                          <a:ea typeface="ヒラギノ角ゴ ProN W3" charset="0"/>
-                          <a:cs typeface="ヒラギノ角ゴ ProN W3" charset="0"/>
-                          <a:sym typeface="Tahoma" charset="0"/>
-                        </a:rPr>
-                        <a:t>Fault Mediator</a:t>
-                      </a:r>
-                    </a:p>
-                  </a:txBody>
-                  <a:tcPr marL="35719" marR="35719" marT="35719" marB="35719" anchor="ctr" horzOverflow="overflow">
-                    <a:lnL w="28575" cap="flat" cmpd="sng" algn="ctr">
-                      <a:solidFill>
-                        <a:srgbClr val="000000"/>
-                      </a:solidFill>
-                      <a:prstDash val="solid"/>
-                      <a:round/>
-                      <a:headEnd type="none" w="med" len="med"/>
-                      <a:tailEnd type="none" w="med" len="med"/>
-                    </a:lnL>
-                    <a:lnR w="12700" cap="flat" cmpd="sng" algn="ctr">
-                      <a:solidFill>
-                        <a:srgbClr val="000000"/>
-                      </a:solidFill>
-                      <a:prstDash val="solid"/>
-                      <a:round/>
-                      <a:headEnd type="none" w="med" len="med"/>
-                      <a:tailEnd type="none" w="med" len="med"/>
-                    </a:lnR>
-                    <a:lnT w="12700" cap="flat" cmpd="sng" algn="ctr">
-                      <a:solidFill>
-                        <a:srgbClr val="000000"/>
-                      </a:solidFill>
-                      <a:prstDash val="solid"/>
-                      <a:round/>
-                      <a:headEnd type="none" w="med" len="med"/>
-                      <a:tailEnd type="none" w="med" len="med"/>
-                    </a:lnT>
-                    <a:lnB w="28575" cap="flat" cmpd="sng" algn="ctr">
-                      <a:solidFill>
-                        <a:srgbClr val="000000"/>
-                      </a:solidFill>
-                      <a:prstDash val="solid"/>
-                      <a:round/>
-                      <a:headEnd type="none" w="med" len="med"/>
-                      <a:tailEnd type="none" w="med" len="med"/>
-                    </a:lnB>
-                    <a:lnTlToBr>
-                      <a:noFill/>
-                    </a:lnTlToBr>
-                    <a:lnBlToTr>
-                      <a:noFill/>
-                    </a:lnBlToTr>
-                    <a:noFill/>
-                  </a:tcPr>
-                </a:tc>
-                <a:tc>
-                  <a:txBody>
-                    <a:bodyPr/>
-                    <a:lstStyle/>
-                    <a:p>
-                      <a:pPr marL="0" marR="0" lvl="0" indent="0" algn="l" defTabSz="914400" rtl="0" eaLnBrk="1" fontAlgn="base" latinLnBrk="0" hangingPunct="1">
-                        <a:lnSpc>
-                          <a:spcPct val="100000"/>
-                        </a:lnSpc>
-                        <a:spcBef>
-                          <a:spcPct val="0"/>
-                        </a:spcBef>
-                        <a:spcAft>
-                          <a:spcPct val="0"/>
-                        </a:spcAft>
-                        <a:buClr>
-                          <a:srgbClr val="343434"/>
-                        </a:buClr>
-                        <a:buSzPct val="80000"/>
-                        <a:buFont typeface="Tahoma" charset="0"/>
-                        <a:buNone/>
-                        <a:tabLst>
-                          <a:tab pos="1295400" algn="l"/>
-                        </a:tabLst>
-                      </a:pPr>
-                      <a:r>
-                        <a:rPr kumimoji="0" lang="en-US" sz="1400" b="0" i="0" u="none" strike="noStrike" cap="none" normalizeH="0" baseline="0">
-                          <a:ln>
-                            <a:noFill/>
-                          </a:ln>
-                          <a:solidFill>
-                            <a:schemeClr val="tx1"/>
-                          </a:solidFill>
-                          <a:effectLst/>
-                          <a:latin typeface="Tahoma" charset="0"/>
-                          <a:ea typeface="ヒラギノ角ゴ ProN W3" charset="0"/>
-                          <a:cs typeface="ヒラギノ角ゴ ProN W3" charset="0"/>
-                          <a:sym typeface="Tahoma" charset="0"/>
-                        </a:rPr>
-                        <a:t>Transforms current message into custom Fault message</a:t>
-                      </a:r>
-                    </a:p>
-                  </a:txBody>
-                  <a:tcPr marL="35719" marR="35719" marT="35719" marB="35719" horzOverflow="overflow">
-                    <a:lnL w="12700" cap="flat" cmpd="sng" algn="ctr">
-                      <a:solidFill>
-                        <a:srgbClr val="000000"/>
-                      </a:solidFill>
-                      <a:prstDash val="solid"/>
-                      <a:round/>
-                      <a:headEnd type="none" w="med" len="med"/>
-                      <a:tailEnd type="none" w="med" len="med"/>
-                    </a:lnL>
-                    <a:lnR w="28575" cap="flat" cmpd="sng" algn="ctr">
-                      <a:solidFill>
-                        <a:srgbClr val="000000"/>
-                      </a:solidFill>
-                      <a:prstDash val="solid"/>
-                      <a:round/>
-                      <a:headEnd type="none" w="med" len="med"/>
-                      <a:tailEnd type="none" w="med" len="med"/>
-                    </a:lnR>
-                    <a:lnT w="12700" cap="flat" cmpd="sng" algn="ctr">
-                      <a:solidFill>
-                        <a:srgbClr val="000000"/>
-                      </a:solidFill>
-                      <a:prstDash val="solid"/>
-                      <a:round/>
-                      <a:headEnd type="none" w="med" len="med"/>
-                      <a:tailEnd type="none" w="med" len="med"/>
-                    </a:lnT>
-                    <a:lnB w="28575" cap="flat" cmpd="sng" algn="ctr">
-                      <a:solidFill>
-                        <a:srgbClr val="000000"/>
-                      </a:solidFill>
-                      <a:prstDash val="solid"/>
-                      <a:round/>
-                      <a:headEnd type="none" w="med" len="med"/>
-                      <a:tailEnd type="none" w="med" len="med"/>
-                    </a:lnB>
-                    <a:lnTlToBr>
-                      <a:noFill/>
-                    </a:lnTlToBr>
-                    <a:lnBlToTr>
-                      <a:noFill/>
-                    </a:lnBlToTr>
-                    <a:noFill/>
-                  </a:tcPr>
-                </a:tc>
-              </a:tr>
-            </a:tbl>
-          </a:graphicData>
-        </a:graphic>
-      </p:graphicFrame>
-      <p:grpSp>
-        <p:nvGrpSpPr>
-          <p:cNvPr id="27724" name="Group 76"/>
-          <p:cNvGrpSpPr>
-            <a:grpSpLocks/>
-          </p:cNvGrpSpPr>
-          <p:nvPr/>
-        </p:nvGrpSpPr>
-        <p:grpSpPr bwMode="auto">
-          <a:xfrm>
-            <a:off x="462111" y="1472283"/>
-            <a:ext cx="8215313" cy="4157885"/>
-            <a:chOff x="0" y="0"/>
-            <a:chExt cx="7360" cy="3725"/>
-          </a:xfrm>
-        </p:grpSpPr>
-        <p:pic>
-          <p:nvPicPr>
-            <p:cNvPr id="27716" name="Picture 68"/>
-            <p:cNvPicPr>
-              <a:picLocks noChangeAspect="1" noChangeArrowheads="1"/>
-            </p:cNvPicPr>
-            <p:nvPr/>
-          </p:nvPicPr>
-          <p:blipFill>
-            <a:blip r:embed="rId2">
-              <a:extLst>
-                <a:ext uri="{28A0092B-C50C-407E-A947-70E740481C1C}">
-                  <a14:useLocalDpi xmlns:a14="http://schemas.microsoft.com/office/drawing/2010/main" val="0"/>
-                </a:ext>
-              </a:extLst>
-            </a:blip>
-            <a:srcRect/>
-            <a:stretch>
-              <a:fillRect/>
-            </a:stretch>
-          </p:blipFill>
-          <p:spPr bwMode="auto">
-            <a:xfrm>
-              <a:off x="1865" y="544"/>
-              <a:ext cx="128" cy="128"/>
-            </a:xfrm>
-            <a:prstGeom prst="rect">
-              <a:avLst/>
-            </a:prstGeom>
-            <a:noFill/>
-            <a:ln>
-              <a:noFill/>
-            </a:ln>
-            <a:extLst>
-              <a:ext uri="{909E8E84-426E-40dd-AFC4-6F175D3DCCD1}">
-                <a14:hiddenFill xmlns:a14="http://schemas.microsoft.com/office/drawing/2010/main">
-                  <a:solidFill>
-                    <a:srgbClr val="FFFFFF"/>
-                  </a:solidFill>
-                </a14:hiddenFill>
-              </a:ext>
-              <a:ext uri="{91240B29-F687-4f45-9708-019B960494DF}">
-                <a14:hiddenLine xmlns:a14="http://schemas.microsoft.com/office/drawing/2010/main" w="25400" cap="flat">
-                  <a:solidFill>
-                    <a:schemeClr val="tx1"/>
-                  </a:solidFill>
-                  <a:round/>
-                  <a:headEnd/>
-                  <a:tailEnd/>
-                </a14:hiddenLine>
-              </a:ext>
-            </a:extLst>
-          </p:spPr>
-        </p:pic>
-        <p:pic>
-          <p:nvPicPr>
-            <p:cNvPr id="27717" name="Picture 69"/>
-            <p:cNvPicPr>
-              <a:picLocks noChangeAspect="1" noChangeArrowheads="1"/>
-            </p:cNvPicPr>
-            <p:nvPr/>
-          </p:nvPicPr>
-          <p:blipFill>
-            <a:blip r:embed="rId3">
-              <a:extLst>
-                <a:ext uri="{28A0092B-C50C-407E-A947-70E740481C1C}">
-                  <a14:useLocalDpi xmlns:a14="http://schemas.microsoft.com/office/drawing/2010/main" val="0"/>
-                </a:ext>
-              </a:extLst>
-            </a:blip>
-            <a:srcRect/>
-            <a:stretch>
-              <a:fillRect/>
-            </a:stretch>
-          </p:blipFill>
-          <p:spPr bwMode="auto">
-            <a:xfrm>
-              <a:off x="1865" y="952"/>
-              <a:ext cx="128" cy="128"/>
-            </a:xfrm>
-            <a:prstGeom prst="rect">
-              <a:avLst/>
-            </a:prstGeom>
-            <a:noFill/>
-            <a:ln>
-              <a:noFill/>
-            </a:ln>
-            <a:extLst>
-              <a:ext uri="{909E8E84-426E-40dd-AFC4-6F175D3DCCD1}">
-                <a14:hiddenFill xmlns:a14="http://schemas.microsoft.com/office/drawing/2010/main">
-                  <a:solidFill>
-                    <a:srgbClr val="FFFFFF"/>
-                  </a:solidFill>
-                </a14:hiddenFill>
-              </a:ext>
-              <a:ext uri="{91240B29-F687-4f45-9708-019B960494DF}">
-                <a14:hiddenLine xmlns:a14="http://schemas.microsoft.com/office/drawing/2010/main" w="25400" cap="flat">
-                  <a:solidFill>
-                    <a:schemeClr val="tx1"/>
-                  </a:solidFill>
-                  <a:round/>
-                  <a:headEnd/>
-                  <a:tailEnd/>
-                </a14:hiddenLine>
-              </a:ext>
-            </a:extLst>
-          </p:spPr>
-        </p:pic>
-        <p:pic>
-          <p:nvPicPr>
-            <p:cNvPr id="27718" name="Picture 70"/>
-            <p:cNvPicPr>
-              <a:picLocks noChangeAspect="1" noChangeArrowheads="1"/>
-            </p:cNvPicPr>
-            <p:nvPr/>
-          </p:nvPicPr>
-          <p:blipFill>
-            <a:blip r:embed="rId4">
-              <a:extLst>
-                <a:ext uri="{28A0092B-C50C-407E-A947-70E740481C1C}">
-                  <a14:useLocalDpi xmlns:a14="http://schemas.microsoft.com/office/drawing/2010/main" val="0"/>
-                </a:ext>
-              </a:extLst>
-            </a:blip>
-            <a:srcRect/>
-            <a:stretch>
-              <a:fillRect/>
-            </a:stretch>
-          </p:blipFill>
-          <p:spPr bwMode="auto">
-            <a:xfrm>
-              <a:off x="1865" y="1352"/>
-              <a:ext cx="128" cy="128"/>
-            </a:xfrm>
-            <a:prstGeom prst="rect">
-              <a:avLst/>
-            </a:prstGeom>
-            <a:noFill/>
-            <a:ln>
-              <a:noFill/>
-            </a:ln>
-            <a:extLst>
-              <a:ext uri="{909E8E84-426E-40dd-AFC4-6F175D3DCCD1}">
-                <a14:hiddenFill xmlns:a14="http://schemas.microsoft.com/office/drawing/2010/main">
-                  <a:solidFill>
-                    <a:srgbClr val="FFFFFF"/>
-                  </a:solidFill>
-                </a14:hiddenFill>
-              </a:ext>
-              <a:ext uri="{91240B29-F687-4f45-9708-019B960494DF}">
-                <a14:hiddenLine xmlns:a14="http://schemas.microsoft.com/office/drawing/2010/main" w="25400" cap="flat">
-                  <a:solidFill>
-                    <a:schemeClr val="tx1"/>
-                  </a:solidFill>
-                  <a:round/>
-                  <a:headEnd/>
-                  <a:tailEnd/>
-                </a14:hiddenLine>
-              </a:ext>
-            </a:extLst>
-          </p:spPr>
-        </p:pic>
-        <p:pic>
-          <p:nvPicPr>
-            <p:cNvPr id="27719" name="Picture 71"/>
-            <p:cNvPicPr>
-              <a:picLocks noChangeAspect="1" noChangeArrowheads="1"/>
-            </p:cNvPicPr>
-            <p:nvPr/>
-          </p:nvPicPr>
-          <p:blipFill>
-            <a:blip r:embed="rId5">
-              <a:extLst>
-                <a:ext uri="{28A0092B-C50C-407E-A947-70E740481C1C}">
-                  <a14:useLocalDpi xmlns:a14="http://schemas.microsoft.com/office/drawing/2010/main" val="0"/>
-                </a:ext>
-              </a:extLst>
-            </a:blip>
-            <a:srcRect/>
-            <a:stretch>
-              <a:fillRect/>
-            </a:stretch>
-          </p:blipFill>
-          <p:spPr bwMode="auto">
-            <a:xfrm>
-              <a:off x="1865" y="2152"/>
-              <a:ext cx="128" cy="128"/>
-            </a:xfrm>
-            <a:prstGeom prst="rect">
-              <a:avLst/>
-            </a:prstGeom>
-            <a:noFill/>
-            <a:ln>
-              <a:noFill/>
-            </a:ln>
-            <a:extLst>
-              <a:ext uri="{909E8E84-426E-40dd-AFC4-6F175D3DCCD1}">
-                <a14:hiddenFill xmlns:a14="http://schemas.microsoft.com/office/drawing/2010/main">
-                  <a:solidFill>
-                    <a:srgbClr val="FFFFFF"/>
-                  </a:solidFill>
-                </a14:hiddenFill>
-              </a:ext>
-              <a:ext uri="{91240B29-F687-4f45-9708-019B960494DF}">
-                <a14:hiddenLine xmlns:a14="http://schemas.microsoft.com/office/drawing/2010/main" w="25400" cap="flat">
-                  <a:solidFill>
-                    <a:schemeClr val="tx1"/>
-                  </a:solidFill>
-                  <a:round/>
-                  <a:headEnd/>
-                  <a:tailEnd/>
-                </a14:hiddenLine>
-              </a:ext>
-            </a:extLst>
-          </p:spPr>
-        </p:pic>
-        <p:pic>
-          <p:nvPicPr>
-            <p:cNvPr id="27720" name="Picture 72"/>
-            <p:cNvPicPr>
-              <a:picLocks noChangeAspect="1" noChangeArrowheads="1"/>
-            </p:cNvPicPr>
-            <p:nvPr/>
-          </p:nvPicPr>
-          <p:blipFill>
-            <a:blip r:embed="rId6">
-              <a:extLst>
-                <a:ext uri="{28A0092B-C50C-407E-A947-70E740481C1C}">
-                  <a14:useLocalDpi xmlns:a14="http://schemas.microsoft.com/office/drawing/2010/main" val="0"/>
-                </a:ext>
-              </a:extLst>
-            </a:blip>
-            <a:srcRect/>
-            <a:stretch>
-              <a:fillRect/>
-            </a:stretch>
-          </p:blipFill>
-          <p:spPr bwMode="auto">
-            <a:xfrm>
-              <a:off x="1865" y="2632"/>
-              <a:ext cx="128" cy="128"/>
-            </a:xfrm>
-            <a:prstGeom prst="rect">
-              <a:avLst/>
-            </a:prstGeom>
-            <a:noFill/>
-            <a:ln>
-              <a:noFill/>
-            </a:ln>
-            <a:extLst>
-              <a:ext uri="{909E8E84-426E-40dd-AFC4-6F175D3DCCD1}">
-                <a14:hiddenFill xmlns:a14="http://schemas.microsoft.com/office/drawing/2010/main">
-                  <a:solidFill>
-                    <a:srgbClr val="FFFFFF"/>
-                  </a:solidFill>
-                </a14:hiddenFill>
-              </a:ext>
-              <a:ext uri="{91240B29-F687-4f45-9708-019B960494DF}">
-                <a14:hiddenLine xmlns:a14="http://schemas.microsoft.com/office/drawing/2010/main" w="25400" cap="flat">
-                  <a:solidFill>
-                    <a:schemeClr val="tx1"/>
-                  </a:solidFill>
-                  <a:round/>
-                  <a:headEnd/>
-                  <a:tailEnd/>
-                </a14:hiddenLine>
-              </a:ext>
-            </a:extLst>
-          </p:spPr>
-        </p:pic>
-        <p:pic>
-          <p:nvPicPr>
-            <p:cNvPr id="27721" name="Picture 73"/>
-            <p:cNvPicPr>
-              <a:picLocks noChangeAspect="1" noChangeArrowheads="1"/>
-            </p:cNvPicPr>
-            <p:nvPr/>
-          </p:nvPicPr>
-          <p:blipFill>
-            <a:blip r:embed="rId7">
-              <a:extLst>
-                <a:ext uri="{28A0092B-C50C-407E-A947-70E740481C1C}">
-                  <a14:useLocalDpi xmlns:a14="http://schemas.microsoft.com/office/drawing/2010/main" val="0"/>
-                </a:ext>
-              </a:extLst>
-            </a:blip>
-            <a:srcRect/>
-            <a:stretch>
-              <a:fillRect/>
-            </a:stretch>
-          </p:blipFill>
-          <p:spPr bwMode="auto">
-            <a:xfrm>
-              <a:off x="1865" y="3064"/>
-              <a:ext cx="128" cy="128"/>
-            </a:xfrm>
-            <a:prstGeom prst="rect">
-              <a:avLst/>
-            </a:prstGeom>
-            <a:noFill/>
-            <a:ln>
-              <a:noFill/>
-            </a:ln>
-            <a:extLst>
-              <a:ext uri="{909E8E84-426E-40dd-AFC4-6F175D3DCCD1}">
-                <a14:hiddenFill xmlns:a14="http://schemas.microsoft.com/office/drawing/2010/main">
-                  <a:solidFill>
-                    <a:srgbClr val="FFFFFF"/>
-                  </a:solidFill>
-                </a14:hiddenFill>
-              </a:ext>
-              <a:ext uri="{91240B29-F687-4f45-9708-019B960494DF}">
-                <a14:hiddenLine xmlns:a14="http://schemas.microsoft.com/office/drawing/2010/main" w="25400" cap="flat">
-                  <a:solidFill>
-                    <a:schemeClr val="tx1"/>
-                  </a:solidFill>
-                  <a:round/>
-                  <a:headEnd/>
-                  <a:tailEnd/>
-                </a14:hiddenLine>
-              </a:ext>
-            </a:extLst>
-          </p:spPr>
-        </p:pic>
-        <p:pic>
-          <p:nvPicPr>
-            <p:cNvPr id="27722" name="Picture 74"/>
-            <p:cNvPicPr>
-              <a:picLocks noChangeAspect="1" noChangeArrowheads="1"/>
-            </p:cNvPicPr>
-            <p:nvPr/>
-          </p:nvPicPr>
-          <p:blipFill>
-            <a:blip r:embed="rId8">
-              <a:extLst>
-                <a:ext uri="{28A0092B-C50C-407E-A947-70E740481C1C}">
-                  <a14:useLocalDpi xmlns:a14="http://schemas.microsoft.com/office/drawing/2010/main" val="0"/>
-                </a:ext>
-              </a:extLst>
-            </a:blip>
-            <a:srcRect/>
-            <a:stretch>
-              <a:fillRect/>
-            </a:stretch>
-          </p:blipFill>
-          <p:spPr bwMode="auto">
-            <a:xfrm>
-              <a:off x="1865" y="3480"/>
-              <a:ext cx="128" cy="136"/>
-            </a:xfrm>
-            <a:prstGeom prst="rect">
-              <a:avLst/>
-            </a:prstGeom>
-            <a:noFill/>
-            <a:ln>
-              <a:noFill/>
-            </a:ln>
-            <a:extLst>
-              <a:ext uri="{909E8E84-426E-40dd-AFC4-6F175D3DCCD1}">
-                <a14:hiddenFill xmlns:a14="http://schemas.microsoft.com/office/drawing/2010/main">
-                  <a:solidFill>
-                    <a:srgbClr val="FFFFFF"/>
-                  </a:solidFill>
-                </a14:hiddenFill>
-              </a:ext>
-              <a:ext uri="{91240B29-F687-4f45-9708-019B960494DF}">
-                <a14:hiddenLine xmlns:a14="http://schemas.microsoft.com/office/drawing/2010/main" w="25400" cap="flat">
-                  <a:solidFill>
-                    <a:schemeClr val="tx1"/>
-                  </a:solidFill>
-                  <a:round/>
-                  <a:headEnd/>
-                  <a:tailEnd/>
-                </a14:hiddenLine>
-              </a:ext>
-            </a:extLst>
-          </p:spPr>
-        </p:pic>
-        <p:pic>
-          <p:nvPicPr>
-            <p:cNvPr id="27723" name="Picture 75"/>
-            <p:cNvPicPr>
-              <a:picLocks noChangeAspect="1" noChangeArrowheads="1"/>
-            </p:cNvPicPr>
-            <p:nvPr/>
-          </p:nvPicPr>
-          <p:blipFill>
-            <a:blip r:embed="rId9">
-              <a:extLst>
-                <a:ext uri="{28A0092B-C50C-407E-A947-70E740481C1C}">
-                  <a14:useLocalDpi xmlns:a14="http://schemas.microsoft.com/office/drawing/2010/main" val="0"/>
-                </a:ext>
-              </a:extLst>
-            </a:blip>
-            <a:srcRect/>
-            <a:stretch>
-              <a:fillRect/>
-            </a:stretch>
-          </p:blipFill>
-          <p:spPr bwMode="auto">
-            <a:xfrm>
-              <a:off x="1865" y="1752"/>
-              <a:ext cx="128" cy="128"/>
-            </a:xfrm>
-            <a:prstGeom prst="rect">
-              <a:avLst/>
-            </a:prstGeom>
-            <a:noFill/>
-            <a:ln>
-              <a:noFill/>
-            </a:ln>
-            <a:extLst>
-              <a:ext uri="{909E8E84-426E-40dd-AFC4-6F175D3DCCD1}">
-                <a14:hiddenFill xmlns:a14="http://schemas.microsoft.com/office/drawing/2010/main">
-                  <a:solidFill>
-                    <a:srgbClr val="FFFFFF"/>
-                  </a:solidFill>
-                </a14:hiddenFill>
-              </a:ext>
-              <a:ext uri="{91240B29-F687-4f45-9708-019B960494DF}">
-                <a14:hiddenLine xmlns:a14="http://schemas.microsoft.com/office/drawing/2010/main" w="25400" cap="flat">
-                  <a:solidFill>
-                    <a:schemeClr val="tx1"/>
-                  </a:solidFill>
-                  <a:round/>
-                  <a:headEnd/>
-                  <a:tailEnd/>
-                </a14:hiddenLine>
-              </a:ext>
-            </a:extLst>
-          </p:spPr>
-        </p:pic>
-      </p:grpSp>
-    </p:spTree>
-    <p:extLst>
-      <p:ext uri="{BB962C8B-B14F-4D97-AF65-F5344CB8AC3E}">
-        <p14:creationId xmlns:p14="http://schemas.microsoft.com/office/powerpoint/2010/main" val="3818973342"/>
-      </p:ext>
-    </p:extLst>
-  </p:cSld>
-  <p:clrMapOvr>
-    <a:masterClrMapping/>
-  </p:clrMapOvr>
-  <mc:AlternateContent xmlns:mc="http://schemas.openxmlformats.org/markup-compatibility/2006" xmlns:p14="http://schemas.microsoft.com/office/powerpoint/2010/main">
-    <mc:Choice Requires="p14">
-      <p:transition spd="slow" p14:dur="2000"/>
-    </mc:Choice>
-    <mc:Fallback xmlns="">
-      <p:transition xmlns:p14="http://schemas.microsoft.com/office/powerpoint/2010/main" spd="slow"/>
-    </mc:Fallback>
-  </mc:AlternateContent>
-</p:sld>
-</file>
-
-<file path=ppt/slides/slide23.xml><?xml version="1.0" encoding="utf-8"?>
-<p:sld xmlns:a="http://schemas.openxmlformats.org/drawingml/2006/main" xmlns:r="http://schemas.openxmlformats.org/officeDocument/2006/relationships" xmlns:p="http://schemas.openxmlformats.org/presentationml/2006/main">
-  <p:cSld>
-    <p:spTree>
-      <p:nvGrpSpPr>
-        <p:cNvPr id="1" name=""/>
-        <p:cNvGrpSpPr/>
-        <p:nvPr/>
-      </p:nvGrpSpPr>
-      <p:grpSpPr>
-        <a:xfrm>
-          <a:off x="0" y="0"/>
-          <a:ext cx="0" cy="0"/>
-          <a:chOff x="0" y="0"/>
-          <a:chExt cx="0" cy="0"/>
-        </a:xfrm>
-      </p:grpSpPr>
-      <p:sp>
-        <p:nvSpPr>
-          <p:cNvPr id="28673" name="Rectangle 1"/>
-          <p:cNvSpPr>
-            <a:spLocks noGrp="1" noChangeArrowheads="1"/>
-          </p:cNvSpPr>
-          <p:nvPr>
-            <p:ph type="title"/>
-          </p:nvPr>
-        </p:nvSpPr>
-        <p:spPr>
-          <a:ln/>
-        </p:spPr>
-        <p:txBody>
-          <a:bodyPr/>
-          <a:lstStyle/>
-          <a:p>
-            <a:r>
-              <a:rPr lang="en-US"/>
-              <a:t>Policy Driven </a:t>
-            </a:r>
-          </a:p>
-        </p:txBody>
-      </p:sp>
-      <p:sp>
-        <p:nvSpPr>
-          <p:cNvPr id="28674" name="Rectangle 2"/>
-          <p:cNvSpPr>
-            <a:spLocks noGrp="1" noChangeArrowheads="1"/>
-          </p:cNvSpPr>
-          <p:nvPr>
-            <p:ph type="body" idx="1"/>
-          </p:nvPr>
-        </p:nvSpPr>
-        <p:spPr>
-          <a:xfrm>
-            <a:off x="455414" y="1071562"/>
-            <a:ext cx="8233172" cy="3089672"/>
-          </a:xfrm>
-          <a:ln/>
-        </p:spPr>
-        <p:txBody>
-          <a:bodyPr/>
-          <a:lstStyle/>
-          <a:p>
-            <a:pPr>
-              <a:spcBef>
-                <a:spcPct val="0"/>
-              </a:spcBef>
-            </a:pPr>
-            <a:r>
-              <a:rPr lang="en-US" sz="2800"/>
-              <a:t>Apply out-of-the-box policies to proxy services for</a:t>
-            </a:r>
-          </a:p>
-          <a:p>
-            <a:pPr marL="558086" lvl="1">
-              <a:spcBef>
-                <a:spcPts val="439"/>
-              </a:spcBef>
-            </a:pPr>
-            <a:r>
-              <a:rPr lang="en-US" sz="2400"/>
-              <a:t>Security</a:t>
-            </a:r>
-          </a:p>
-          <a:p>
-            <a:pPr marL="558086" lvl="1">
-              <a:spcBef>
-                <a:spcPts val="439"/>
-              </a:spcBef>
-            </a:pPr>
-            <a:r>
-              <a:rPr lang="en-US" sz="2400"/>
-              <a:t>Caching</a:t>
-            </a:r>
-          </a:p>
-          <a:p>
-            <a:pPr marL="558086" lvl="1">
-              <a:spcBef>
-                <a:spcPts val="439"/>
-              </a:spcBef>
-            </a:pPr>
-            <a:r>
-              <a:rPr lang="en-US" sz="2400"/>
-              <a:t>Throttling</a:t>
-            </a:r>
-          </a:p>
-          <a:p>
-            <a:pPr>
-              <a:spcBef>
-                <a:spcPts val="572"/>
-              </a:spcBef>
-            </a:pPr>
-            <a:r>
-              <a:rPr lang="en-US" sz="2800"/>
-              <a:t>Create and apply WS-Policies </a:t>
-            </a:r>
-          </a:p>
-          <a:p>
-            <a:pPr>
-              <a:spcBef>
-                <a:spcPts val="572"/>
-              </a:spcBef>
-            </a:pPr>
-            <a:r>
-              <a:rPr lang="en-US" sz="2800"/>
-              <a:t>Apply Policies stored in Registry</a:t>
-            </a:r>
-          </a:p>
-        </p:txBody>
-      </p:sp>
-      <p:pic>
-        <p:nvPicPr>
-          <p:cNvPr id="28675" name="Picture 3"/>
-          <p:cNvPicPr>
-            <a:picLocks noChangeAspect="1" noChangeArrowheads="1"/>
-          </p:cNvPicPr>
-          <p:nvPr/>
-        </p:nvPicPr>
-        <p:blipFill>
-          <a:blip r:embed="rId2">
-            <a:extLst>
-              <a:ext uri="{28A0092B-C50C-407E-A947-70E740481C1C}">
-                <a14:useLocalDpi xmlns:a14="http://schemas.microsoft.com/office/drawing/2010/main" val="0"/>
-              </a:ext>
-            </a:extLst>
-          </a:blip>
-          <a:srcRect/>
-          <a:stretch>
-            <a:fillRect/>
-          </a:stretch>
-        </p:blipFill>
-        <p:spPr bwMode="auto">
-          <a:xfrm>
-            <a:off x="1428750" y="4170164"/>
-            <a:ext cx="5420320" cy="2018109"/>
-          </a:xfrm>
-          <a:prstGeom prst="rect">
-            <a:avLst/>
-          </a:prstGeom>
-          <a:noFill/>
-          <a:ln>
-            <a:noFill/>
-          </a:ln>
-          <a:extLst>
-            <a:ext uri="{909E8E84-426E-40dd-AFC4-6F175D3DCCD1}">
-              <a14:hiddenFill xmlns:a14="http://schemas.microsoft.com/office/drawing/2010/main">
-                <a:solidFill>
-                  <a:srgbClr val="FFFFFF"/>
-                </a:solidFill>
-              </a14:hiddenFill>
-            </a:ext>
-            <a:ext uri="{91240B29-F687-4f45-9708-019B960494DF}">
-              <a14:hiddenLine xmlns:a14="http://schemas.microsoft.com/office/drawing/2010/main" w="25400" cap="flat">
-                <a:solidFill>
-                  <a:schemeClr val="tx1"/>
-                </a:solidFill>
-                <a:round/>
-                <a:headEnd/>
-                <a:tailEnd/>
-              </a14:hiddenLine>
-            </a:ext>
-          </a:extLst>
-        </p:spPr>
-      </p:pic>
-    </p:spTree>
-    <p:extLst>
-      <p:ext uri="{BB962C8B-B14F-4D97-AF65-F5344CB8AC3E}">
-        <p14:creationId xmlns:p14="http://schemas.microsoft.com/office/powerpoint/2010/main" val="3132699345"/>
-      </p:ext>
-    </p:extLst>
-  </p:cSld>
-  <p:clrMapOvr>
-    <a:masterClrMapping/>
-  </p:clrMapOvr>
-  <mc:AlternateContent xmlns:mc="http://schemas.openxmlformats.org/markup-compatibility/2006" xmlns:p14="http://schemas.microsoft.com/office/powerpoint/2010/main">
-    <mc:Choice Requires="p14">
-      <p:transition spd="slow" p14:dur="2000"/>
-    </mc:Choice>
-    <mc:Fallback xmlns="">
-      <p:transition xmlns:p14="http://schemas.microsoft.com/office/powerpoint/2010/main" spd="slow"/>
-    </mc:Fallback>
-  </mc:AlternateContent>
-</p:sld>
-</file>
-
-<file path=ppt/slides/slide24.xml><?xml version="1.0" encoding="utf-8"?>
 <p:sld xmlns:a="http://schemas.openxmlformats.org/drawingml/2006/main" xmlns:r="http://schemas.openxmlformats.org/officeDocument/2006/relationships" xmlns:p="http://schemas.openxmlformats.org/presentationml/2006/main">
   <p:cSld>
     <p:spTree>
@@ -9928,7 +7552,7 @@
 </p:sld>
 </file>
 
-<file path=ppt/slides/slide25.xml><?xml version="1.0" encoding="utf-8"?>
+<file path=ppt/slides/slide23.xml><?xml version="1.0" encoding="utf-8"?>
 <p:sld xmlns:a="http://schemas.openxmlformats.org/drawingml/2006/main" xmlns:r="http://schemas.openxmlformats.org/officeDocument/2006/relationships" xmlns:p="http://schemas.openxmlformats.org/presentationml/2006/main">
   <p:cSld>
     <p:spTree>
@@ -9963,7 +7587,9 @@
           <a:ln/>
         </p:spPr>
         <p:txBody>
-          <a:bodyPr/>
+          <a:bodyPr>
+            <a:normAutofit fontScale="90000"/>
+          </a:bodyPr>
           <a:lstStyle/>
           <a:p>
             <a:r>
@@ -11769,7 +9395,7 @@
 </p:sld>
 </file>
 
-<file path=ppt/slides/slide26.xml><?xml version="1.0" encoding="utf-8"?>
+<file path=ppt/slides/slide24.xml><?xml version="1.0" encoding="utf-8"?>
 <p:sld xmlns:a="http://schemas.openxmlformats.org/drawingml/2006/main" xmlns:r="http://schemas.openxmlformats.org/officeDocument/2006/relationships" xmlns:p="http://schemas.openxmlformats.org/presentationml/2006/main">
   <p:cSld>
     <p:spTree>
@@ -11869,7 +9495,7 @@
 </p:sld>
 </file>
 
-<file path=ppt/slides/slide27.xml><?xml version="1.0" encoding="utf-8"?>
+<file path=ppt/slides/slide25.xml><?xml version="1.0" encoding="utf-8"?>
 <p:sld xmlns:a="http://schemas.openxmlformats.org/drawingml/2006/main" xmlns:r="http://schemas.openxmlformats.org/officeDocument/2006/relationships" xmlns:p="http://schemas.openxmlformats.org/presentationml/2006/main">
   <p:cSld>
     <p:spTree>
@@ -11926,7 +9552,7 @@
           <a:p>
             <a:r>
               <a:rPr lang="en-US" dirty="0" smtClean="0"/>
-              <a:t>&lt;callout&gt; mediator</a:t>
+              <a:t>&lt;call&gt; mediator</a:t>
             </a:r>
           </a:p>
           <a:p>
@@ -11971,7 +9597,7 @@
 </p:sld>
 </file>
 
-<file path=ppt/slides/slide28.xml><?xml version="1.0" encoding="utf-8"?>
+<file path=ppt/slides/slide26.xml><?xml version="1.0" encoding="utf-8"?>
 <p:sld xmlns:a="http://schemas.openxmlformats.org/drawingml/2006/main" xmlns:r="http://schemas.openxmlformats.org/officeDocument/2006/relationships" xmlns:p="http://schemas.openxmlformats.org/presentationml/2006/main">
   <p:cSld>
     <p:spTree>
@@ -12073,7 +9699,7 @@
 </p:sld>
 </file>
 
-<file path=ppt/slides/slide29.xml><?xml version="1.0" encoding="utf-8"?>
+<file path=ppt/slides/slide27.xml><?xml version="1.0" encoding="utf-8"?>
 <p:sld xmlns:a="http://schemas.openxmlformats.org/drawingml/2006/main" xmlns:r="http://schemas.openxmlformats.org/officeDocument/2006/relationships" xmlns:p="http://schemas.openxmlformats.org/presentationml/2006/main">
   <p:cSld>
     <p:spTree>
@@ -12173,6 +9799,215 @@
 </p:sld>
 </file>
 
+<file path=ppt/slides/slide28.xml><?xml version="1.0" encoding="utf-8"?>
+<p:sld xmlns:a="http://schemas.openxmlformats.org/drawingml/2006/main" xmlns:r="http://schemas.openxmlformats.org/officeDocument/2006/relationships" xmlns:p="http://schemas.openxmlformats.org/presentationml/2006/main">
+  <p:cSld>
+    <p:spTree>
+      <p:nvGrpSpPr>
+        <p:cNvPr id="1" name=""/>
+        <p:cNvGrpSpPr/>
+        <p:nvPr/>
+      </p:nvGrpSpPr>
+      <p:grpSpPr>
+        <a:xfrm>
+          <a:off x="0" y="0"/>
+          <a:ext cx="0" cy="0"/>
+          <a:chOff x="0" y="0"/>
+          <a:chExt cx="0" cy="0"/>
+        </a:xfrm>
+      </p:grpSpPr>
+      <p:sp>
+        <p:nvSpPr>
+          <p:cNvPr id="2" name="Title 1"/>
+          <p:cNvSpPr>
+            <a:spLocks noGrp="1"/>
+          </p:cNvSpPr>
+          <p:nvPr>
+            <p:ph type="title"/>
+          </p:nvPr>
+        </p:nvSpPr>
+        <p:spPr/>
+        <p:txBody>
+          <a:bodyPr/>
+          <a:lstStyle/>
+          <a:p>
+            <a:r>
+              <a:rPr lang="en-US" dirty="0" smtClean="0"/>
+              <a:t>Aggregator</a:t>
+            </a:r>
+            <a:endParaRPr lang="en-US" dirty="0"/>
+          </a:p>
+        </p:txBody>
+      </p:sp>
+      <p:sp>
+        <p:nvSpPr>
+          <p:cNvPr id="3" name="Content Placeholder 2"/>
+          <p:cNvSpPr>
+            <a:spLocks noGrp="1"/>
+          </p:cNvSpPr>
+          <p:nvPr>
+            <p:ph idx="1"/>
+          </p:nvPr>
+        </p:nvSpPr>
+        <p:spPr/>
+        <p:txBody>
+          <a:bodyPr/>
+          <a:lstStyle/>
+          <a:p>
+            <a:r>
+              <a:rPr lang="en-US" dirty="0" smtClean="0"/>
+              <a:t>Aggregate mediator</a:t>
+            </a:r>
+            <a:endParaRPr lang="en-US" dirty="0"/>
+          </a:p>
+        </p:txBody>
+      </p:sp>
+      <p:pic>
+        <p:nvPicPr>
+          <p:cNvPr id="4" name="Picture 3"/>
+          <p:cNvPicPr>
+            <a:picLocks noChangeAspect="1"/>
+          </p:cNvPicPr>
+          <p:nvPr/>
+        </p:nvPicPr>
+        <p:blipFill>
+          <a:blip r:embed="rId2"/>
+          <a:stretch>
+            <a:fillRect/>
+          </a:stretch>
+        </p:blipFill>
+        <p:spPr>
+          <a:xfrm>
+            <a:off x="1969920" y="2649878"/>
+            <a:ext cx="5184000" cy="1543842"/>
+          </a:xfrm>
+          <a:prstGeom prst="rect">
+            <a:avLst/>
+          </a:prstGeom>
+        </p:spPr>
+      </p:pic>
+    </p:spTree>
+    <p:extLst>
+      <p:ext uri="{BB962C8B-B14F-4D97-AF65-F5344CB8AC3E}">
+        <p14:creationId xmlns:p14="http://schemas.microsoft.com/office/powerpoint/2010/main" val="2637491291"/>
+      </p:ext>
+    </p:extLst>
+  </p:cSld>
+  <p:clrMapOvr>
+    <a:masterClrMapping/>
+  </p:clrMapOvr>
+</p:sld>
+</file>
+
+<file path=ppt/slides/slide29.xml><?xml version="1.0" encoding="utf-8"?>
+<p:sld xmlns:a="http://schemas.openxmlformats.org/drawingml/2006/main" xmlns:r="http://schemas.openxmlformats.org/officeDocument/2006/relationships" xmlns:p="http://schemas.openxmlformats.org/presentationml/2006/main">
+  <p:cSld>
+    <p:spTree>
+      <p:nvGrpSpPr>
+        <p:cNvPr id="1" name=""/>
+        <p:cNvGrpSpPr/>
+        <p:nvPr/>
+      </p:nvGrpSpPr>
+      <p:grpSpPr>
+        <a:xfrm>
+          <a:off x="0" y="0"/>
+          <a:ext cx="0" cy="0"/>
+          <a:chOff x="0" y="0"/>
+          <a:chExt cx="0" cy="0"/>
+        </a:xfrm>
+      </p:grpSpPr>
+      <p:sp>
+        <p:nvSpPr>
+          <p:cNvPr id="2" name="Title 1"/>
+          <p:cNvSpPr>
+            <a:spLocks noGrp="1"/>
+          </p:cNvSpPr>
+          <p:nvPr>
+            <p:ph type="title"/>
+          </p:nvPr>
+        </p:nvSpPr>
+        <p:spPr/>
+        <p:txBody>
+          <a:bodyPr>
+            <a:normAutofit fontScale="90000"/>
+          </a:bodyPr>
+          <a:lstStyle/>
+          <a:p>
+            <a:r>
+              <a:rPr lang="en-US" dirty="0" smtClean="0"/>
+              <a:t>Composed Message Processor</a:t>
+            </a:r>
+            <a:endParaRPr lang="en-US" dirty="0"/>
+          </a:p>
+        </p:txBody>
+      </p:sp>
+      <p:sp>
+        <p:nvSpPr>
+          <p:cNvPr id="3" name="Content Placeholder 2"/>
+          <p:cNvSpPr>
+            <a:spLocks noGrp="1"/>
+          </p:cNvSpPr>
+          <p:nvPr>
+            <p:ph idx="1"/>
+          </p:nvPr>
+        </p:nvSpPr>
+        <p:spPr>
+          <a:xfrm>
+            <a:off x="456481" y="1562564"/>
+            <a:ext cx="8226720" cy="4524955"/>
+          </a:xfrm>
+        </p:spPr>
+        <p:txBody>
+          <a:bodyPr/>
+          <a:lstStyle/>
+          <a:p>
+            <a:r>
+              <a:rPr lang="en-US" dirty="0" smtClean="0"/>
+              <a:t>&lt;sequence&gt;</a:t>
+            </a:r>
+          </a:p>
+          <a:p>
+            <a:endParaRPr lang="en-US" dirty="0"/>
+          </a:p>
+        </p:txBody>
+      </p:sp>
+      <p:pic>
+        <p:nvPicPr>
+          <p:cNvPr id="4" name="Picture 3"/>
+          <p:cNvPicPr>
+            <a:picLocks noChangeAspect="1"/>
+          </p:cNvPicPr>
+          <p:nvPr/>
+        </p:nvPicPr>
+        <p:blipFill>
+          <a:blip r:embed="rId2"/>
+          <a:stretch>
+            <a:fillRect/>
+          </a:stretch>
+        </p:blipFill>
+        <p:spPr>
+          <a:xfrm>
+            <a:off x="1071360" y="2484260"/>
+            <a:ext cx="6981120" cy="2534666"/>
+          </a:xfrm>
+          <a:prstGeom prst="rect">
+            <a:avLst/>
+          </a:prstGeom>
+        </p:spPr>
+      </p:pic>
+    </p:spTree>
+    <p:extLst>
+      <p:ext uri="{BB962C8B-B14F-4D97-AF65-F5344CB8AC3E}">
+        <p14:creationId xmlns:p14="http://schemas.microsoft.com/office/powerpoint/2010/main" val="1120839978"/>
+      </p:ext>
+    </p:extLst>
+  </p:cSld>
+  <p:clrMapOvr>
+    <a:masterClrMapping/>
+  </p:clrMapOvr>
+</p:sld>
+</file>
+
 <file path=ppt/slides/slide3.xml><?xml version="1.0" encoding="utf-8"?>
 <p:sld xmlns:a="http://schemas.openxmlformats.org/drawingml/2006/main" xmlns:r="http://schemas.openxmlformats.org/officeDocument/2006/relationships" xmlns:p="http://schemas.openxmlformats.org/presentationml/2006/main">
   <p:cSld>
@@ -12226,7 +10061,7 @@
         <p:spPr/>
         <p:txBody>
           <a:bodyPr>
-            <a:normAutofit fontScale="92500"/>
+            <a:normAutofit fontScale="92500" lnSpcReduction="10000"/>
           </a:bodyPr>
           <a:lstStyle/>
           <a:p>
@@ -12328,379 +10163,6 @@
       </p:grpSpPr>
       <p:sp>
         <p:nvSpPr>
-          <p:cNvPr id="2" name="Title 1"/>
-          <p:cNvSpPr>
-            <a:spLocks noGrp="1"/>
-          </p:cNvSpPr>
-          <p:nvPr>
-            <p:ph type="title"/>
-          </p:nvPr>
-        </p:nvSpPr>
-        <p:spPr/>
-        <p:txBody>
-          <a:bodyPr/>
-          <a:lstStyle/>
-          <a:p>
-            <a:r>
-              <a:rPr lang="en-US" dirty="0" smtClean="0"/>
-              <a:t>Aggregator</a:t>
-            </a:r>
-            <a:endParaRPr lang="en-US" dirty="0"/>
-          </a:p>
-        </p:txBody>
-      </p:sp>
-      <p:sp>
-        <p:nvSpPr>
-          <p:cNvPr id="3" name="Content Placeholder 2"/>
-          <p:cNvSpPr>
-            <a:spLocks noGrp="1"/>
-          </p:cNvSpPr>
-          <p:nvPr>
-            <p:ph idx="1"/>
-          </p:nvPr>
-        </p:nvSpPr>
-        <p:spPr/>
-        <p:txBody>
-          <a:bodyPr/>
-          <a:lstStyle/>
-          <a:p>
-            <a:r>
-              <a:rPr lang="en-US" dirty="0" smtClean="0"/>
-              <a:t>Aggregate mediator</a:t>
-            </a:r>
-            <a:endParaRPr lang="en-US" dirty="0"/>
-          </a:p>
-        </p:txBody>
-      </p:sp>
-      <p:pic>
-        <p:nvPicPr>
-          <p:cNvPr id="4" name="Picture 3"/>
-          <p:cNvPicPr>
-            <a:picLocks noChangeAspect="1"/>
-          </p:cNvPicPr>
-          <p:nvPr/>
-        </p:nvPicPr>
-        <p:blipFill>
-          <a:blip r:embed="rId2"/>
-          <a:stretch>
-            <a:fillRect/>
-          </a:stretch>
-        </p:blipFill>
-        <p:spPr>
-          <a:xfrm>
-            <a:off x="1969920" y="2649878"/>
-            <a:ext cx="5184000" cy="1543842"/>
-          </a:xfrm>
-          <a:prstGeom prst="rect">
-            <a:avLst/>
-          </a:prstGeom>
-        </p:spPr>
-      </p:pic>
-    </p:spTree>
-    <p:extLst>
-      <p:ext uri="{BB962C8B-B14F-4D97-AF65-F5344CB8AC3E}">
-        <p14:creationId xmlns:p14="http://schemas.microsoft.com/office/powerpoint/2010/main" val="2637491291"/>
-      </p:ext>
-    </p:extLst>
-  </p:cSld>
-  <p:clrMapOvr>
-    <a:masterClrMapping/>
-  </p:clrMapOvr>
-</p:sld>
-</file>
-
-<file path=ppt/slides/slide31.xml><?xml version="1.0" encoding="utf-8"?>
-<p:sld xmlns:a="http://schemas.openxmlformats.org/drawingml/2006/main" xmlns:r="http://schemas.openxmlformats.org/officeDocument/2006/relationships" xmlns:p="http://schemas.openxmlformats.org/presentationml/2006/main">
-  <p:cSld>
-    <p:spTree>
-      <p:nvGrpSpPr>
-        <p:cNvPr id="1" name=""/>
-        <p:cNvGrpSpPr/>
-        <p:nvPr/>
-      </p:nvGrpSpPr>
-      <p:grpSpPr>
-        <a:xfrm>
-          <a:off x="0" y="0"/>
-          <a:ext cx="0" cy="0"/>
-          <a:chOff x="0" y="0"/>
-          <a:chExt cx="0" cy="0"/>
-        </a:xfrm>
-      </p:grpSpPr>
-      <p:sp>
-        <p:nvSpPr>
-          <p:cNvPr id="2" name="Title 1"/>
-          <p:cNvSpPr>
-            <a:spLocks noGrp="1"/>
-          </p:cNvSpPr>
-          <p:nvPr>
-            <p:ph type="title"/>
-          </p:nvPr>
-        </p:nvSpPr>
-        <p:spPr/>
-        <p:txBody>
-          <a:bodyPr/>
-          <a:lstStyle/>
-          <a:p>
-            <a:r>
-              <a:rPr lang="en-US" dirty="0" smtClean="0"/>
-              <a:t>Composed Message Processor</a:t>
-            </a:r>
-            <a:endParaRPr lang="en-US" dirty="0"/>
-          </a:p>
-        </p:txBody>
-      </p:sp>
-      <p:sp>
-        <p:nvSpPr>
-          <p:cNvPr id="3" name="Content Placeholder 2"/>
-          <p:cNvSpPr>
-            <a:spLocks noGrp="1"/>
-          </p:cNvSpPr>
-          <p:nvPr>
-            <p:ph idx="1"/>
-          </p:nvPr>
-        </p:nvSpPr>
-        <p:spPr>
-          <a:xfrm>
-            <a:off x="456481" y="1562564"/>
-            <a:ext cx="8226720" cy="4524955"/>
-          </a:xfrm>
-        </p:spPr>
-        <p:txBody>
-          <a:bodyPr/>
-          <a:lstStyle/>
-          <a:p>
-            <a:r>
-              <a:rPr lang="en-US" dirty="0" smtClean="0"/>
-              <a:t>&lt;sequence&gt;</a:t>
-            </a:r>
-          </a:p>
-          <a:p>
-            <a:endParaRPr lang="en-US" dirty="0"/>
-          </a:p>
-        </p:txBody>
-      </p:sp>
-      <p:pic>
-        <p:nvPicPr>
-          <p:cNvPr id="4" name="Picture 3"/>
-          <p:cNvPicPr>
-            <a:picLocks noChangeAspect="1"/>
-          </p:cNvPicPr>
-          <p:nvPr/>
-        </p:nvPicPr>
-        <p:blipFill>
-          <a:blip r:embed="rId2"/>
-          <a:stretch>
-            <a:fillRect/>
-          </a:stretch>
-        </p:blipFill>
-        <p:spPr>
-          <a:xfrm>
-            <a:off x="1071360" y="2484260"/>
-            <a:ext cx="6981120" cy="2534666"/>
-          </a:xfrm>
-          <a:prstGeom prst="rect">
-            <a:avLst/>
-          </a:prstGeom>
-        </p:spPr>
-      </p:pic>
-    </p:spTree>
-    <p:extLst>
-      <p:ext uri="{BB962C8B-B14F-4D97-AF65-F5344CB8AC3E}">
-        <p14:creationId xmlns:p14="http://schemas.microsoft.com/office/powerpoint/2010/main" val="1120839978"/>
-      </p:ext>
-    </p:extLst>
-  </p:cSld>
-  <p:clrMapOvr>
-    <a:masterClrMapping/>
-  </p:clrMapOvr>
-</p:sld>
-</file>
-
-<file path=ppt/slides/slide32.xml><?xml version="1.0" encoding="utf-8"?>
-<p:sld xmlns:a="http://schemas.openxmlformats.org/drawingml/2006/main" xmlns:r="http://schemas.openxmlformats.org/officeDocument/2006/relationships" xmlns:p="http://schemas.openxmlformats.org/presentationml/2006/main">
-  <p:cSld>
-    <p:spTree>
-      <p:nvGrpSpPr>
-        <p:cNvPr id="1" name=""/>
-        <p:cNvGrpSpPr/>
-        <p:nvPr/>
-      </p:nvGrpSpPr>
-      <p:grpSpPr>
-        <a:xfrm>
-          <a:off x="0" y="0"/>
-          <a:ext cx="0" cy="0"/>
-          <a:chOff x="0" y="0"/>
-          <a:chExt cx="0" cy="0"/>
-        </a:xfrm>
-      </p:grpSpPr>
-      <p:sp>
-        <p:nvSpPr>
-          <p:cNvPr id="31745" name="Rectangle 1"/>
-          <p:cNvSpPr>
-            <a:spLocks noGrp="1" noChangeArrowheads="1"/>
-          </p:cNvSpPr>
-          <p:nvPr>
-            <p:ph type="title"/>
-          </p:nvPr>
-        </p:nvSpPr>
-        <p:spPr>
-          <a:xfrm>
-            <a:off x="457200" y="-17342"/>
-            <a:ext cx="8229600" cy="1143000"/>
-          </a:xfrm>
-          <a:ln/>
-        </p:spPr>
-        <p:txBody>
-          <a:bodyPr/>
-          <a:lstStyle/>
-          <a:p>
-            <a:r>
-              <a:rPr lang="en-US" dirty="0"/>
-              <a:t>Security</a:t>
-            </a:r>
-          </a:p>
-        </p:txBody>
-      </p:sp>
-      <p:sp>
-        <p:nvSpPr>
-          <p:cNvPr id="31746" name="Rectangle 2"/>
-          <p:cNvSpPr>
-            <a:spLocks noGrp="1" noChangeArrowheads="1"/>
-          </p:cNvSpPr>
-          <p:nvPr>
-            <p:ph type="body" idx="1"/>
-          </p:nvPr>
-        </p:nvSpPr>
-        <p:spPr>
-          <a:xfrm>
-            <a:off x="455414" y="1044774"/>
-            <a:ext cx="8233172" cy="5197078"/>
-          </a:xfrm>
-          <a:ln/>
-        </p:spPr>
-        <p:txBody>
-          <a:bodyPr/>
-          <a:lstStyle/>
-          <a:p>
-            <a:r>
-              <a:rPr lang="en-US" sz="2200"/>
-              <a:t>Supports Authentication via HTTP Basic, UserName Token, SSL, OAuth, Kerberos, OpenID, SAML</a:t>
-            </a:r>
-          </a:p>
-          <a:p>
-            <a:r>
-              <a:rPr lang="en-US" sz="2200"/>
-              <a:t>Integration with various LDAP servers (OpenDS, Oracle, IBM..)</a:t>
-            </a:r>
-          </a:p>
-          <a:p>
-            <a:r>
-              <a:rPr lang="en-US" sz="2200"/>
-              <a:t>XML Encryption, Digital Signatures, WS-Secure Conversations</a:t>
-            </a:r>
-          </a:p>
-          <a:p>
-            <a:r>
-              <a:rPr lang="en-US" sz="2200"/>
-              <a:t>Acts as PEP for fined-grained authorization (entitlements) using XACML</a:t>
-            </a:r>
-          </a:p>
-        </p:txBody>
-      </p:sp>
-      <p:pic>
-        <p:nvPicPr>
-          <p:cNvPr id="31747" name="Picture 3"/>
-          <p:cNvPicPr>
-            <a:picLocks noChangeAspect="1" noChangeArrowheads="1"/>
-          </p:cNvPicPr>
-          <p:nvPr/>
-        </p:nvPicPr>
-        <p:blipFill>
-          <a:blip r:embed="rId2">
-            <a:extLst>
-              <a:ext uri="{28A0092B-C50C-407E-A947-70E740481C1C}">
-                <a14:useLocalDpi xmlns:a14="http://schemas.microsoft.com/office/drawing/2010/main" val="0"/>
-              </a:ext>
-            </a:extLst>
-          </a:blip>
-          <a:srcRect/>
-          <a:stretch>
-            <a:fillRect/>
-          </a:stretch>
-        </p:blipFill>
-        <p:spPr bwMode="auto">
-          <a:xfrm>
-            <a:off x="616149" y="3598664"/>
-            <a:ext cx="7902773" cy="2473523"/>
-          </a:xfrm>
-          <a:prstGeom prst="rect">
-            <a:avLst/>
-          </a:prstGeom>
-          <a:noFill/>
-          <a:ln>
-            <a:noFill/>
-          </a:ln>
-          <a:extLst>
-            <a:ext uri="{909E8E84-426E-40dd-AFC4-6F175D3DCCD1}">
-              <a14:hiddenFill xmlns:a14="http://schemas.microsoft.com/office/drawing/2010/main">
-                <a:solidFill>
-                  <a:srgbClr val="FFFFFF"/>
-                </a:solidFill>
-              </a14:hiddenFill>
-            </a:ext>
-            <a:ext uri="{91240B29-F687-4f45-9708-019B960494DF}">
-              <a14:hiddenLine xmlns:a14="http://schemas.microsoft.com/office/drawing/2010/main" w="25400" cap="flat">
-                <a:solidFill>
-                  <a:schemeClr val="tx1"/>
-                </a:solidFill>
-                <a:round/>
-                <a:headEnd/>
-                <a:tailEnd/>
-              </a14:hiddenLine>
-            </a:ext>
-          </a:extLst>
-        </p:spPr>
-      </p:pic>
-    </p:spTree>
-    <p:extLst>
-      <p:ext uri="{BB962C8B-B14F-4D97-AF65-F5344CB8AC3E}">
-        <p14:creationId xmlns:p14="http://schemas.microsoft.com/office/powerpoint/2010/main" val="3858618992"/>
-      </p:ext>
-    </p:extLst>
-  </p:cSld>
-  <p:clrMapOvr>
-    <a:masterClrMapping/>
-  </p:clrMapOvr>
-  <mc:AlternateContent xmlns:mc="http://schemas.openxmlformats.org/markup-compatibility/2006" xmlns:p14="http://schemas.microsoft.com/office/powerpoint/2010/main">
-    <mc:Choice Requires="p14">
-      <p:transition spd="slow" p14:dur="2000"/>
-    </mc:Choice>
-    <mc:Fallback xmlns="">
-      <p:transition xmlns:p14="http://schemas.microsoft.com/office/powerpoint/2010/main" spd="slow"/>
-    </mc:Fallback>
-  </mc:AlternateContent>
-</p:sld>
-</file>
-
-<file path=ppt/slides/slide33.xml><?xml version="1.0" encoding="utf-8"?>
-<p:sld xmlns:a="http://schemas.openxmlformats.org/drawingml/2006/main" xmlns:r="http://schemas.openxmlformats.org/officeDocument/2006/relationships" xmlns:p="http://schemas.openxmlformats.org/presentationml/2006/main">
-  <p:cSld>
-    <p:spTree>
-      <p:nvGrpSpPr>
-        <p:cNvPr id="1" name=""/>
-        <p:cNvGrpSpPr/>
-        <p:nvPr/>
-      </p:nvGrpSpPr>
-      <p:grpSpPr>
-        <a:xfrm>
-          <a:off x="0" y="0"/>
-          <a:ext cx="0" cy="0"/>
-          <a:chOff x="0" y="0"/>
-          <a:chExt cx="0" cy="0"/>
-        </a:xfrm>
-      </p:grpSpPr>
-      <p:sp>
-        <p:nvSpPr>
           <p:cNvPr id="32769" name="Rectangle 1"/>
           <p:cNvSpPr>
             <a:spLocks noGrp="1" noChangeArrowheads="1"/>
@@ -12717,7 +10179,9 @@
           <a:ln/>
         </p:spPr>
         <p:txBody>
-          <a:bodyPr/>
+          <a:bodyPr>
+            <a:normAutofit fontScale="90000"/>
+          </a:bodyPr>
           <a:lstStyle/>
           <a:p>
             <a:r>
@@ -12745,7 +10209,9 @@
           <a:ln/>
         </p:spPr>
         <p:txBody>
-          <a:bodyPr/>
+          <a:bodyPr>
+            <a:normAutofit lnSpcReduction="10000"/>
+          </a:bodyPr>
           <a:lstStyle/>
           <a:p>
             <a:pPr>
@@ -13037,7 +10503,7 @@
 </p:sld>
 </file>
 
-<file path=ppt/slides/slide34.xml><?xml version="1.0" encoding="utf-8"?>
+<file path=ppt/slides/slide31.xml><?xml version="1.0" encoding="utf-8"?>
 <p:sld xmlns:a="http://schemas.openxmlformats.org/drawingml/2006/main" xmlns:r="http://schemas.openxmlformats.org/officeDocument/2006/relationships" xmlns:p="http://schemas.openxmlformats.org/presentationml/2006/main">
   <p:cSld>
     <p:spTree>
@@ -13068,7 +10534,9 @@
           <a:ln/>
         </p:spPr>
         <p:txBody>
-          <a:bodyPr/>
+          <a:bodyPr>
+            <a:normAutofit fontScale="90000"/>
+          </a:bodyPr>
           <a:lstStyle/>
           <a:p>
             <a:r>
@@ -13097,7 +10565,7 @@
         </p:spPr>
         <p:txBody>
           <a:bodyPr>
-            <a:normAutofit fontScale="92500"/>
+            <a:normAutofit fontScale="92500" lnSpcReduction="20000"/>
           </a:bodyPr>
           <a:lstStyle/>
           <a:p>
@@ -13207,7 +10675,7 @@
 </p:sld>
 </file>
 
-<file path=ppt/slides/slide35.xml><?xml version="1.0" encoding="utf-8"?>
+<file path=ppt/slides/slide32.xml><?xml version="1.0" encoding="utf-8"?>
 <p:sld xmlns:a="http://schemas.openxmlformats.org/drawingml/2006/main" xmlns:r="http://schemas.openxmlformats.org/officeDocument/2006/relationships" xmlns:p="http://schemas.openxmlformats.org/presentationml/2006/main">
   <p:cSld>
     <p:spTree>
@@ -13226,791 +10694,140 @@
       </p:grpSpPr>
       <p:sp>
         <p:nvSpPr>
-          <p:cNvPr id="35841" name="Rectangle 1"/>
-          <p:cNvSpPr>
-            <a:spLocks noGrp="1" noChangeArrowheads="1"/>
+          <p:cNvPr id="2" name="Title 1"/>
+          <p:cNvSpPr>
+            <a:spLocks noGrp="1"/>
           </p:cNvSpPr>
           <p:nvPr>
             <p:ph type="title"/>
           </p:nvPr>
         </p:nvSpPr>
-        <p:spPr>
-          <a:ln/>
-        </p:spPr>
-        <p:txBody>
-          <a:bodyPr/>
-          <a:lstStyle/>
-          <a:p>
-            <a:r>
-              <a:rPr lang="en-US"/>
-              <a:t>Extensibility</a:t>
-            </a:r>
-          </a:p>
-        </p:txBody>
-      </p:sp>
-      <p:sp>
-        <p:nvSpPr>
-          <p:cNvPr id="35842" name="Rectangle 2"/>
-          <p:cNvSpPr>
-            <a:spLocks noGrp="1" noChangeArrowheads="1"/>
-          </p:cNvSpPr>
-          <p:nvPr>
-            <p:ph type="body" idx="1"/>
-          </p:nvPr>
-        </p:nvSpPr>
-        <p:spPr>
-          <a:ln/>
-        </p:spPr>
+        <p:spPr/>
         <p:txBody>
           <a:bodyPr>
-            <a:normAutofit fontScale="92500" lnSpcReduction="10000"/>
+            <a:noAutofit/>
           </a:bodyPr>
           <a:lstStyle/>
           <a:p>
             <a:r>
-              <a:rPr lang="en-US"/>
-              <a:t>Supports Scripting Language (JavaScript, JRuby, Groovy) </a:t>
-            </a:r>
-          </a:p>
-          <a:p>
-            <a:r>
-              <a:rPr lang="en-US"/>
-              <a:t>Java extension via POJO calls</a:t>
-            </a:r>
-          </a:p>
-          <a:p>
-            <a:r>
-              <a:rPr lang="en-US"/>
-              <a:t>Can be extended via custom mediators</a:t>
-            </a:r>
-          </a:p>
-          <a:p>
-            <a:endParaRPr lang="en-US"/>
-          </a:p>
-          <a:p>
-            <a:endParaRPr lang="en-US"/>
-          </a:p>
-          <a:p>
-            <a:endParaRPr lang="en-US"/>
-          </a:p>
-          <a:p>
-            <a:r>
-              <a:rPr lang="en-US"/>
-              <a:t>Extend configuration vocabulary with custom domain-specific languages via </a:t>
-            </a:r>
-            <a:r>
-              <a:rPr lang="en-US" b="1"/>
-              <a:t>templates</a:t>
-            </a:r>
-            <a:r>
-              <a:rPr lang="en-US"/>
-              <a:t>.</a:t>
-            </a:r>
-          </a:p>
-        </p:txBody>
-      </p:sp>
-      <p:graphicFrame>
-        <p:nvGraphicFramePr>
-          <p:cNvPr id="35843" name="Group 3"/>
-          <p:cNvGraphicFramePr>
-            <a:graphicFrameLocks noGrp="1"/>
-          </p:cNvGraphicFramePr>
-          <p:nvPr/>
-        </p:nvGraphicFramePr>
-        <p:xfrm>
-          <a:off x="783580" y="3498205"/>
-          <a:ext cx="7742039" cy="1026915"/>
-        </p:xfrm>
-        <a:graphic>
-          <a:graphicData uri="http://schemas.openxmlformats.org/drawingml/2006/table">
-            <a:tbl>
-              <a:tblPr/>
-              <a:tblGrid>
-                <a:gridCol w="2293814"/>
-                <a:gridCol w="5448225"/>
-              </a:tblGrid>
-              <a:tr h="370582">
-                <a:tc>
-                  <a:txBody>
-                    <a:bodyPr/>
-                    <a:lstStyle/>
-                    <a:p>
-                      <a:pPr marL="0" marR="0" lvl="0" indent="0" algn="l" defTabSz="914400" rtl="0" eaLnBrk="1" fontAlgn="base" latinLnBrk="0" hangingPunct="1">
-                        <a:lnSpc>
-                          <a:spcPct val="100000"/>
-                        </a:lnSpc>
-                        <a:spcBef>
-                          <a:spcPct val="0"/>
-                        </a:spcBef>
-                        <a:spcAft>
-                          <a:spcPct val="0"/>
-                        </a:spcAft>
-                        <a:buClr>
-                          <a:srgbClr val="343434"/>
-                        </a:buClr>
-                        <a:buSzPct val="80000"/>
-                        <a:buFont typeface="Tahoma" charset="0"/>
-                        <a:buNone/>
-                        <a:tabLst>
-                          <a:tab pos="1295400" algn="l"/>
-                        </a:tabLst>
-                      </a:pPr>
-                      <a:r>
-                        <a:rPr kumimoji="0" lang="en-US" sz="1600" b="1" i="0" u="none" strike="noStrike" cap="none" normalizeH="0" baseline="0">
-                          <a:ln>
-                            <a:noFill/>
-                          </a:ln>
-                          <a:solidFill>
-                            <a:schemeClr val="tx1"/>
-                          </a:solidFill>
-                          <a:effectLst/>
-                          <a:latin typeface="Tahoma" charset="0"/>
-                          <a:ea typeface="ヒラギノ角ゴ ProN W3" charset="0"/>
-                          <a:cs typeface="ヒラギノ角ゴ ProN W3" charset="0"/>
-                          <a:sym typeface="Tahoma" charset="0"/>
-                        </a:rPr>
-                        <a:t>Name</a:t>
-                      </a:r>
-                    </a:p>
-                  </a:txBody>
-                  <a:tcPr marL="35719" marR="35719" marT="35719" marB="35719" horzOverflow="overflow">
-                    <a:lnL w="28575" cap="flat" cmpd="sng" algn="ctr">
-                      <a:solidFill>
-                        <a:srgbClr val="000000"/>
-                      </a:solidFill>
-                      <a:prstDash val="solid"/>
-                      <a:round/>
-                      <a:headEnd type="none" w="med" len="med"/>
-                      <a:tailEnd type="none" w="med" len="med"/>
-                    </a:lnL>
-                    <a:lnR w="12700" cap="flat" cmpd="sng" algn="ctr">
-                      <a:solidFill>
-                        <a:srgbClr val="000000"/>
-                      </a:solidFill>
-                      <a:prstDash val="solid"/>
-                      <a:round/>
-                      <a:headEnd type="none" w="med" len="med"/>
-                      <a:tailEnd type="none" w="med" len="med"/>
-                    </a:lnR>
-                    <a:lnT w="28575" cap="flat" cmpd="sng" algn="ctr">
-                      <a:solidFill>
-                        <a:srgbClr val="000000"/>
-                      </a:solidFill>
-                      <a:prstDash val="solid"/>
-                      <a:round/>
-                      <a:headEnd type="none" w="med" len="med"/>
-                      <a:tailEnd type="none" w="med" len="med"/>
-                    </a:lnT>
-                    <a:lnB w="12700" cap="flat" cmpd="sng" algn="ctr">
-                      <a:solidFill>
-                        <a:srgbClr val="000000"/>
-                      </a:solidFill>
-                      <a:prstDash val="solid"/>
-                      <a:round/>
-                      <a:headEnd type="none" w="med" len="med"/>
-                      <a:tailEnd type="none" w="med" len="med"/>
-                    </a:lnB>
-                    <a:lnTlToBr>
-                      <a:noFill/>
-                    </a:lnTlToBr>
-                    <a:lnBlToTr>
-                      <a:noFill/>
-                    </a:lnBlToTr>
-                    <a:solidFill>
-                      <a:srgbClr val="000000">
-                        <a:alpha val="24706"/>
-                      </a:srgbClr>
-                    </a:solidFill>
-                  </a:tcPr>
-                </a:tc>
-                <a:tc>
-                  <a:txBody>
-                    <a:bodyPr/>
-                    <a:lstStyle/>
-                    <a:p>
-                      <a:pPr marL="0" marR="0" lvl="0" indent="0" algn="l" defTabSz="914400" rtl="0" eaLnBrk="1" fontAlgn="base" latinLnBrk="0" hangingPunct="1">
-                        <a:lnSpc>
-                          <a:spcPct val="100000"/>
-                        </a:lnSpc>
-                        <a:spcBef>
-                          <a:spcPct val="0"/>
-                        </a:spcBef>
-                        <a:spcAft>
-                          <a:spcPct val="0"/>
-                        </a:spcAft>
-                        <a:buClr>
-                          <a:srgbClr val="343434"/>
-                        </a:buClr>
-                        <a:buSzPct val="80000"/>
-                        <a:buFont typeface="Tahoma" charset="0"/>
-                        <a:buNone/>
-                        <a:tabLst>
-                          <a:tab pos="1295400" algn="l"/>
-                        </a:tabLst>
-                      </a:pPr>
-                      <a:r>
-                        <a:rPr kumimoji="0" lang="en-US" sz="1600" b="1" i="0" u="none" strike="noStrike" cap="none" normalizeH="0" baseline="0">
-                          <a:ln>
-                            <a:noFill/>
-                          </a:ln>
-                          <a:solidFill>
-                            <a:schemeClr val="tx1"/>
-                          </a:solidFill>
-                          <a:effectLst/>
-                          <a:latin typeface="Tahoma" charset="0"/>
-                          <a:ea typeface="ヒラギノ角ゴ ProN W3" charset="0"/>
-                          <a:cs typeface="ヒラギノ角ゴ ProN W3" charset="0"/>
-                          <a:sym typeface="Tahoma" charset="0"/>
-                        </a:rPr>
-                        <a:t>Description</a:t>
-                      </a:r>
-                    </a:p>
-                  </a:txBody>
-                  <a:tcPr marL="35719" marR="35719" marT="35719" marB="35719" horzOverflow="overflow">
-                    <a:lnL w="12700" cap="flat" cmpd="sng" algn="ctr">
-                      <a:solidFill>
-                        <a:srgbClr val="000000"/>
-                      </a:solidFill>
-                      <a:prstDash val="solid"/>
-                      <a:round/>
-                      <a:headEnd type="none" w="med" len="med"/>
-                      <a:tailEnd type="none" w="med" len="med"/>
-                    </a:lnL>
-                    <a:lnR w="28575" cap="flat" cmpd="sng" algn="ctr">
-                      <a:solidFill>
-                        <a:srgbClr val="000000"/>
-                      </a:solidFill>
-                      <a:prstDash val="solid"/>
-                      <a:round/>
-                      <a:headEnd type="none" w="med" len="med"/>
-                      <a:tailEnd type="none" w="med" len="med"/>
-                    </a:lnR>
-                    <a:lnT w="28575" cap="flat" cmpd="sng" algn="ctr">
-                      <a:solidFill>
-                        <a:srgbClr val="000000"/>
-                      </a:solidFill>
-                      <a:prstDash val="solid"/>
-                      <a:round/>
-                      <a:headEnd type="none" w="med" len="med"/>
-                      <a:tailEnd type="none" w="med" len="med"/>
-                    </a:lnT>
-                    <a:lnB w="12700" cap="flat" cmpd="sng" algn="ctr">
-                      <a:solidFill>
-                        <a:srgbClr val="000000"/>
-                      </a:solidFill>
-                      <a:prstDash val="solid"/>
-                      <a:round/>
-                      <a:headEnd type="none" w="med" len="med"/>
-                      <a:tailEnd type="none" w="med" len="med"/>
-                    </a:lnB>
-                    <a:lnTlToBr>
-                      <a:noFill/>
-                    </a:lnTlToBr>
-                    <a:lnBlToTr>
-                      <a:noFill/>
-                    </a:lnBlToTr>
-                    <a:solidFill>
-                      <a:srgbClr val="000000">
-                        <a:alpha val="24706"/>
-                      </a:srgbClr>
-                    </a:solidFill>
-                  </a:tcPr>
-                </a:tc>
-              </a:tr>
-              <a:tr h="356072">
-                <a:tc>
-                  <a:txBody>
-                    <a:bodyPr/>
-                    <a:lstStyle/>
-                    <a:p>
-                      <a:pPr marL="0" marR="0" lvl="0" indent="0" algn="l" defTabSz="914400" rtl="0" eaLnBrk="1" fontAlgn="base" latinLnBrk="0" hangingPunct="1">
-                        <a:lnSpc>
-                          <a:spcPct val="100000"/>
-                        </a:lnSpc>
-                        <a:spcBef>
-                          <a:spcPct val="0"/>
-                        </a:spcBef>
-                        <a:spcAft>
-                          <a:spcPct val="0"/>
-                        </a:spcAft>
-                        <a:buClr>
-                          <a:srgbClr val="343434"/>
-                        </a:buClr>
-                        <a:buSzPct val="80000"/>
-                        <a:buFont typeface="Tahoma" charset="0"/>
-                        <a:buNone/>
-                        <a:tabLst>
-                          <a:tab pos="1295400" algn="l"/>
-                        </a:tabLst>
-                      </a:pPr>
-                      <a:r>
-                        <a:rPr kumimoji="0" lang="en-US" sz="1400" b="0" i="0" u="none" strike="noStrike" cap="none" normalizeH="0" baseline="0">
-                          <a:ln>
-                            <a:noFill/>
-                          </a:ln>
-                          <a:solidFill>
-                            <a:schemeClr val="tx1"/>
-                          </a:solidFill>
-                          <a:effectLst/>
-                          <a:latin typeface="Tahoma" charset="0"/>
-                          <a:ea typeface="ヒラギノ角ゴ ProN W3" charset="0"/>
-                          <a:cs typeface="ヒラギノ角ゴ ProN W3" charset="0"/>
-                          <a:sym typeface="Tahoma" charset="0"/>
-                        </a:rPr>
-                        <a:t>Script Mediator</a:t>
-                      </a:r>
-                    </a:p>
-                  </a:txBody>
-                  <a:tcPr marL="35719" marR="35719" marT="35719" marB="35719" anchor="ctr" horzOverflow="overflow">
-                    <a:lnL w="28575" cap="flat" cmpd="sng" algn="ctr">
-                      <a:solidFill>
-                        <a:srgbClr val="000000"/>
-                      </a:solidFill>
-                      <a:prstDash val="solid"/>
-                      <a:round/>
-                      <a:headEnd type="none" w="med" len="med"/>
-                      <a:tailEnd type="none" w="med" len="med"/>
-                    </a:lnL>
-                    <a:lnR w="12700" cap="flat" cmpd="sng" algn="ctr">
-                      <a:solidFill>
-                        <a:srgbClr val="000000"/>
-                      </a:solidFill>
-                      <a:prstDash val="solid"/>
-                      <a:round/>
-                      <a:headEnd type="none" w="med" len="med"/>
-                      <a:tailEnd type="none" w="med" len="med"/>
-                    </a:lnR>
-                    <a:lnT w="12700" cap="flat" cmpd="sng" algn="ctr">
-                      <a:solidFill>
-                        <a:srgbClr val="000000"/>
-                      </a:solidFill>
-                      <a:prstDash val="solid"/>
-                      <a:round/>
-                      <a:headEnd type="none" w="med" len="med"/>
-                      <a:tailEnd type="none" w="med" len="med"/>
-                    </a:lnT>
-                    <a:lnB w="12700" cap="flat" cmpd="sng" algn="ctr">
-                      <a:solidFill>
-                        <a:srgbClr val="000000"/>
-                      </a:solidFill>
-                      <a:prstDash val="solid"/>
-                      <a:round/>
-                      <a:headEnd type="none" w="med" len="med"/>
-                      <a:tailEnd type="none" w="med" len="med"/>
-                    </a:lnB>
-                    <a:lnTlToBr>
-                      <a:noFill/>
-                    </a:lnTlToBr>
-                    <a:lnBlToTr>
-                      <a:noFill/>
-                    </a:lnBlToTr>
-                    <a:noFill/>
-                  </a:tcPr>
-                </a:tc>
-                <a:tc>
-                  <a:txBody>
-                    <a:bodyPr/>
-                    <a:lstStyle/>
-                    <a:p>
-                      <a:pPr marL="0" marR="0" lvl="0" indent="0" algn="l" defTabSz="914400" rtl="0" eaLnBrk="1" fontAlgn="base" latinLnBrk="0" hangingPunct="1">
-                        <a:lnSpc>
-                          <a:spcPct val="100000"/>
-                        </a:lnSpc>
-                        <a:spcBef>
-                          <a:spcPct val="0"/>
-                        </a:spcBef>
-                        <a:spcAft>
-                          <a:spcPct val="0"/>
-                        </a:spcAft>
-                        <a:buClr>
-                          <a:srgbClr val="343434"/>
-                        </a:buClr>
-                        <a:buSzPct val="80000"/>
-                        <a:buFont typeface="Tahoma" charset="0"/>
-                        <a:buNone/>
-                        <a:tabLst>
-                          <a:tab pos="1295400" algn="l"/>
-                        </a:tabLst>
-                      </a:pPr>
-                      <a:r>
-                        <a:rPr kumimoji="0" lang="en-US" sz="1400" b="0" i="0" u="none" strike="noStrike" cap="none" normalizeH="0" baseline="0">
-                          <a:ln>
-                            <a:noFill/>
-                          </a:ln>
-                          <a:solidFill>
-                            <a:schemeClr val="tx1"/>
-                          </a:solidFill>
-                          <a:effectLst/>
-                          <a:latin typeface="Tahoma" charset="0"/>
-                          <a:ea typeface="ヒラギノ角ゴ ProN W3" charset="0"/>
-                          <a:cs typeface="ヒラギノ角ゴ ProN W3" charset="0"/>
-                          <a:sym typeface="Tahoma" charset="0"/>
-                        </a:rPr>
-                        <a:t>Calls scripts via Bean Scripting Framework (Java, JRuby, Groovy)</a:t>
-                      </a:r>
-                    </a:p>
-                  </a:txBody>
-                  <a:tcPr marL="35719" marR="35719" marT="35719" marB="35719" horzOverflow="overflow">
-                    <a:lnL w="12700" cap="flat" cmpd="sng" algn="ctr">
-                      <a:solidFill>
-                        <a:srgbClr val="000000"/>
-                      </a:solidFill>
-                      <a:prstDash val="solid"/>
-                      <a:round/>
-                      <a:headEnd type="none" w="med" len="med"/>
-                      <a:tailEnd type="none" w="med" len="med"/>
-                    </a:lnL>
-                    <a:lnR w="28575" cap="flat" cmpd="sng" algn="ctr">
-                      <a:solidFill>
-                        <a:srgbClr val="000000"/>
-                      </a:solidFill>
-                      <a:prstDash val="solid"/>
-                      <a:round/>
-                      <a:headEnd type="none" w="med" len="med"/>
-                      <a:tailEnd type="none" w="med" len="med"/>
-                    </a:lnR>
-                    <a:lnT w="12700" cap="flat" cmpd="sng" algn="ctr">
-                      <a:solidFill>
-                        <a:srgbClr val="000000"/>
-                      </a:solidFill>
-                      <a:prstDash val="solid"/>
-                      <a:round/>
-                      <a:headEnd type="none" w="med" len="med"/>
-                      <a:tailEnd type="none" w="med" len="med"/>
-                    </a:lnT>
-                    <a:lnB w="12700" cap="flat" cmpd="sng" algn="ctr">
-                      <a:solidFill>
-                        <a:srgbClr val="000000"/>
-                      </a:solidFill>
-                      <a:prstDash val="solid"/>
-                      <a:round/>
-                      <a:headEnd type="none" w="med" len="med"/>
-                      <a:tailEnd type="none" w="med" len="med"/>
-                    </a:lnB>
-                    <a:lnTlToBr>
-                      <a:noFill/>
-                    </a:lnTlToBr>
-                    <a:lnBlToTr>
-                      <a:noFill/>
-                    </a:lnBlToTr>
-                    <a:noFill/>
-                  </a:tcPr>
-                </a:tc>
-              </a:tr>
-              <a:tr h="300261">
-                <a:tc>
-                  <a:txBody>
-                    <a:bodyPr/>
-                    <a:lstStyle/>
-                    <a:p>
-                      <a:pPr marL="0" marR="0" lvl="0" indent="0" algn="l" defTabSz="914400" rtl="0" eaLnBrk="1" fontAlgn="base" latinLnBrk="0" hangingPunct="1">
-                        <a:lnSpc>
-                          <a:spcPct val="100000"/>
-                        </a:lnSpc>
-                        <a:spcBef>
-                          <a:spcPct val="0"/>
-                        </a:spcBef>
-                        <a:spcAft>
-                          <a:spcPct val="0"/>
-                        </a:spcAft>
-                        <a:buClr>
-                          <a:srgbClr val="343434"/>
-                        </a:buClr>
-                        <a:buSzPct val="80000"/>
-                        <a:buFont typeface="Tahoma" charset="0"/>
-                        <a:buNone/>
-                        <a:tabLst>
-                          <a:tab pos="1295400" algn="l"/>
-                        </a:tabLst>
-                      </a:pPr>
-                      <a:r>
-                        <a:rPr kumimoji="0" lang="en-US" sz="1400" b="0" i="0" u="none" strike="noStrike" cap="none" normalizeH="0" baseline="0">
-                          <a:ln>
-                            <a:noFill/>
-                          </a:ln>
-                          <a:solidFill>
-                            <a:schemeClr val="tx1"/>
-                          </a:solidFill>
-                          <a:effectLst/>
-                          <a:latin typeface="Tahoma" charset="0"/>
-                          <a:ea typeface="ヒラギノ角ゴ ProN W3" charset="0"/>
-                          <a:cs typeface="ヒラギノ角ゴ ProN W3" charset="0"/>
-                          <a:sym typeface="Tahoma" charset="0"/>
-                        </a:rPr>
-                        <a:t>Class Mediator</a:t>
-                      </a:r>
-                    </a:p>
-                  </a:txBody>
-                  <a:tcPr marL="35719" marR="35719" marT="35719" marB="35719" anchor="ctr" horzOverflow="overflow">
-                    <a:lnL w="28575" cap="flat" cmpd="sng" algn="ctr">
-                      <a:solidFill>
-                        <a:srgbClr val="000000"/>
-                      </a:solidFill>
-                      <a:prstDash val="solid"/>
-                      <a:round/>
-                      <a:headEnd type="none" w="med" len="med"/>
-                      <a:tailEnd type="none" w="med" len="med"/>
-                    </a:lnL>
-                    <a:lnR w="12700" cap="flat" cmpd="sng" algn="ctr">
-                      <a:solidFill>
-                        <a:srgbClr val="000000"/>
-                      </a:solidFill>
-                      <a:prstDash val="solid"/>
-                      <a:round/>
-                      <a:headEnd type="none" w="med" len="med"/>
-                      <a:tailEnd type="none" w="med" len="med"/>
-                    </a:lnR>
-                    <a:lnT w="12700" cap="flat" cmpd="sng" algn="ctr">
-                      <a:solidFill>
-                        <a:srgbClr val="000000"/>
-                      </a:solidFill>
-                      <a:prstDash val="solid"/>
-                      <a:round/>
-                      <a:headEnd type="none" w="med" len="med"/>
-                      <a:tailEnd type="none" w="med" len="med"/>
-                    </a:lnT>
-                    <a:lnB w="28575" cap="flat" cmpd="sng" algn="ctr">
-                      <a:solidFill>
-                        <a:srgbClr val="000000"/>
-                      </a:solidFill>
-                      <a:prstDash val="solid"/>
-                      <a:round/>
-                      <a:headEnd type="none" w="med" len="med"/>
-                      <a:tailEnd type="none" w="med" len="med"/>
-                    </a:lnB>
-                    <a:lnTlToBr>
-                      <a:noFill/>
-                    </a:lnTlToBr>
-                    <a:lnBlToTr>
-                      <a:noFill/>
-                    </a:lnBlToTr>
-                    <a:noFill/>
-                  </a:tcPr>
-                </a:tc>
-                <a:tc>
-                  <a:txBody>
-                    <a:bodyPr/>
-                    <a:lstStyle/>
-                    <a:p>
-                      <a:pPr marL="0" marR="0" lvl="0" indent="0" algn="l" defTabSz="914400" rtl="0" eaLnBrk="1" fontAlgn="base" latinLnBrk="0" hangingPunct="1">
-                        <a:lnSpc>
-                          <a:spcPct val="100000"/>
-                        </a:lnSpc>
-                        <a:spcBef>
-                          <a:spcPct val="0"/>
-                        </a:spcBef>
-                        <a:spcAft>
-                          <a:spcPct val="0"/>
-                        </a:spcAft>
-                        <a:buClr>
-                          <a:srgbClr val="343434"/>
-                        </a:buClr>
-                        <a:buSzPct val="80000"/>
-                        <a:buFont typeface="Tahoma" charset="0"/>
-                        <a:buNone/>
-                        <a:tabLst>
-                          <a:tab pos="1295400" algn="l"/>
-                        </a:tabLst>
-                      </a:pPr>
-                      <a:r>
-                        <a:rPr kumimoji="0" lang="en-US" sz="1400" b="0" i="0" u="none" strike="noStrike" cap="none" normalizeH="0" baseline="0">
-                          <a:ln>
-                            <a:noFill/>
-                          </a:ln>
-                          <a:solidFill>
-                            <a:schemeClr val="tx1"/>
-                          </a:solidFill>
-                          <a:effectLst/>
-                          <a:latin typeface="Tahoma" charset="0"/>
-                          <a:ea typeface="ヒラギノ角ゴ ProN W3" charset="0"/>
-                          <a:cs typeface="ヒラギノ角ゴ ProN W3" charset="0"/>
-                          <a:sym typeface="Tahoma" charset="0"/>
-                        </a:rPr>
-                        <a:t>Invoke your own mediator</a:t>
-                      </a:r>
-                    </a:p>
-                  </a:txBody>
-                  <a:tcPr marL="35719" marR="35719" marT="35719" marB="35719" horzOverflow="overflow">
-                    <a:lnL w="12700" cap="flat" cmpd="sng" algn="ctr">
-                      <a:solidFill>
-                        <a:srgbClr val="000000"/>
-                      </a:solidFill>
-                      <a:prstDash val="solid"/>
-                      <a:round/>
-                      <a:headEnd type="none" w="med" len="med"/>
-                      <a:tailEnd type="none" w="med" len="med"/>
-                    </a:lnL>
-                    <a:lnR w="28575" cap="flat" cmpd="sng" algn="ctr">
-                      <a:solidFill>
-                        <a:srgbClr val="000000"/>
-                      </a:solidFill>
-                      <a:prstDash val="solid"/>
-                      <a:round/>
-                      <a:headEnd type="none" w="med" len="med"/>
-                      <a:tailEnd type="none" w="med" len="med"/>
-                    </a:lnR>
-                    <a:lnT w="12700" cap="flat" cmpd="sng" algn="ctr">
-                      <a:solidFill>
-                        <a:srgbClr val="000000"/>
-                      </a:solidFill>
-                      <a:prstDash val="solid"/>
-                      <a:round/>
-                      <a:headEnd type="none" w="med" len="med"/>
-                      <a:tailEnd type="none" w="med" len="med"/>
-                    </a:lnT>
-                    <a:lnB w="28575" cap="flat" cmpd="sng" algn="ctr">
-                      <a:solidFill>
-                        <a:srgbClr val="000000"/>
-                      </a:solidFill>
-                      <a:prstDash val="solid"/>
-                      <a:round/>
-                      <a:headEnd type="none" w="med" len="med"/>
-                      <a:tailEnd type="none" w="med" len="med"/>
-                    </a:lnB>
-                    <a:lnTlToBr>
-                      <a:noFill/>
-                    </a:lnTlToBr>
-                    <a:lnBlToTr>
-                      <a:noFill/>
-                    </a:lnBlToTr>
-                    <a:noFill/>
-                  </a:tcPr>
-                </a:tc>
-              </a:tr>
-            </a:tbl>
-          </a:graphicData>
-        </a:graphic>
-      </p:graphicFrame>
-      <p:pic>
-        <p:nvPicPr>
-          <p:cNvPr id="35867" name="Picture 27"/>
-          <p:cNvPicPr>
-            <a:picLocks noChangeAspect="1" noChangeArrowheads="1"/>
-          </p:cNvPicPr>
-          <p:nvPr/>
-        </p:nvPicPr>
-        <p:blipFill>
-          <a:blip r:embed="rId2">
-            <a:extLst>
-              <a:ext uri="{28A0092B-C50C-407E-A947-70E740481C1C}">
-                <a14:useLocalDpi xmlns:a14="http://schemas.microsoft.com/office/drawing/2010/main" val="0"/>
-              </a:ext>
-            </a:extLst>
-          </a:blip>
-          <a:srcRect/>
-          <a:stretch>
-            <a:fillRect/>
-          </a:stretch>
-        </p:blipFill>
-        <p:spPr bwMode="auto">
-          <a:xfrm>
-            <a:off x="2696766" y="3973711"/>
-            <a:ext cx="142875" cy="133945"/>
-          </a:xfrm>
-          <a:prstGeom prst="rect">
-            <a:avLst/>
-          </a:prstGeom>
-          <a:noFill/>
-          <a:ln>
-            <a:noFill/>
-          </a:ln>
-          <a:extLst>
-            <a:ext uri="{909E8E84-426E-40dd-AFC4-6F175D3DCCD1}">
-              <a14:hiddenFill xmlns:a14="http://schemas.microsoft.com/office/drawing/2010/main">
-                <a:solidFill>
-                  <a:srgbClr val="FFFFFF"/>
-                </a:solidFill>
-              </a14:hiddenFill>
-            </a:ext>
-            <a:ext uri="{91240B29-F687-4f45-9708-019B960494DF}">
-              <a14:hiddenLine xmlns:a14="http://schemas.microsoft.com/office/drawing/2010/main" w="25400" cap="flat">
-                <a:solidFill>
-                  <a:schemeClr val="tx1"/>
-                </a:solidFill>
-                <a:round/>
-                <a:headEnd/>
-                <a:tailEnd/>
-              </a14:hiddenLine>
-            </a:ext>
-          </a:extLst>
-        </p:spPr>
-      </p:pic>
-      <p:pic>
-        <p:nvPicPr>
-          <p:cNvPr id="35868" name="Picture 28"/>
-          <p:cNvPicPr>
-            <a:picLocks noChangeAspect="1" noChangeArrowheads="1"/>
-          </p:cNvPicPr>
-          <p:nvPr/>
-        </p:nvPicPr>
-        <p:blipFill>
-          <a:blip r:embed="rId3">
-            <a:extLst>
-              <a:ext uri="{28A0092B-C50C-407E-A947-70E740481C1C}">
-                <a14:useLocalDpi xmlns:a14="http://schemas.microsoft.com/office/drawing/2010/main" val="0"/>
-              </a:ext>
-            </a:extLst>
-          </a:blip>
-          <a:srcRect/>
-          <a:stretch>
-            <a:fillRect/>
-          </a:stretch>
-        </p:blipFill>
-        <p:spPr bwMode="auto">
-          <a:xfrm>
-            <a:off x="2696766" y="4339828"/>
-            <a:ext cx="142875" cy="142875"/>
-          </a:xfrm>
-          <a:prstGeom prst="rect">
-            <a:avLst/>
-          </a:prstGeom>
-          <a:noFill/>
-          <a:ln>
-            <a:noFill/>
-          </a:ln>
-          <a:extLst>
-            <a:ext uri="{909E8E84-426E-40dd-AFC4-6F175D3DCCD1}">
-              <a14:hiddenFill xmlns:a14="http://schemas.microsoft.com/office/drawing/2010/main">
-                <a:solidFill>
-                  <a:srgbClr val="FFFFFF"/>
-                </a:solidFill>
-              </a14:hiddenFill>
-            </a:ext>
-            <a:ext uri="{91240B29-F687-4f45-9708-019B960494DF}">
-              <a14:hiddenLine xmlns:a14="http://schemas.microsoft.com/office/drawing/2010/main" w="25400" cap="flat">
-                <a:solidFill>
-                  <a:schemeClr val="tx1"/>
-                </a:solidFill>
-                <a:round/>
-                <a:headEnd/>
-                <a:tailEnd/>
-              </a14:hiddenLine>
-            </a:ext>
-          </a:extLst>
-        </p:spPr>
-      </p:pic>
+              <a:rPr lang="en-US" sz="2800" dirty="0" smtClean="0"/>
+              <a:t>How does mediation / integration fit into </a:t>
+            </a:r>
+            <a:r>
+              <a:rPr lang="en-US" sz="2800" dirty="0" err="1" smtClean="0"/>
+              <a:t>Microservices</a:t>
+            </a:r>
+            <a:r>
+              <a:rPr lang="en-US" sz="2800" dirty="0"/>
+              <a:t> </a:t>
+            </a:r>
+            <a:r>
+              <a:rPr lang="en-US" sz="2800" dirty="0" smtClean="0"/>
+              <a:t>/ Containers?</a:t>
+            </a:r>
+            <a:endParaRPr lang="en-US" sz="2800" dirty="0"/>
+          </a:p>
+        </p:txBody>
+      </p:sp>
+      <p:sp>
+        <p:nvSpPr>
+          <p:cNvPr id="3" name="Content Placeholder 2"/>
+          <p:cNvSpPr>
+            <a:spLocks noGrp="1"/>
+          </p:cNvSpPr>
+          <p:nvPr>
+            <p:ph idx="1"/>
+          </p:nvPr>
+        </p:nvSpPr>
+        <p:spPr/>
+        <p:txBody>
+          <a:bodyPr>
+            <a:normAutofit fontScale="92500" lnSpcReduction="20000"/>
+          </a:bodyPr>
+          <a:lstStyle/>
+          <a:p>
+            <a:r>
+              <a:rPr lang="en-US" dirty="0" smtClean="0"/>
+              <a:t>One view:</a:t>
+            </a:r>
+          </a:p>
+          <a:p>
+            <a:pPr lvl="1"/>
+            <a:r>
+              <a:rPr lang="en-US" dirty="0" smtClean="0"/>
+              <a:t>Smart endpoints and dumb pipes</a:t>
+            </a:r>
+          </a:p>
+          <a:p>
+            <a:r>
+              <a:rPr lang="en-US" dirty="0" smtClean="0"/>
+              <a:t>Another approach</a:t>
+            </a:r>
+          </a:p>
+          <a:p>
+            <a:pPr lvl="1"/>
+            <a:r>
+              <a:rPr lang="en-US" dirty="0" smtClean="0"/>
+              <a:t>Micro-integrations</a:t>
+            </a:r>
+          </a:p>
+          <a:p>
+            <a:pPr lvl="1"/>
+            <a:r>
+              <a:rPr lang="en-US" dirty="0" smtClean="0"/>
+              <a:t>Each container just handles a single flow</a:t>
+            </a:r>
+          </a:p>
+          <a:p>
+            <a:pPr lvl="1"/>
+            <a:r>
+              <a:rPr lang="en-US" dirty="0" smtClean="0"/>
+              <a:t>Apache Camel with Java DSL is good for this</a:t>
+            </a:r>
+          </a:p>
+          <a:p>
+            <a:pPr lvl="2"/>
+            <a:r>
+              <a:rPr lang="en-US" dirty="0" smtClean="0"/>
+              <a:t>In some scenarios</a:t>
+            </a:r>
+          </a:p>
+          <a:p>
+            <a:r>
+              <a:rPr lang="en-US" dirty="0" smtClean="0"/>
+              <a:t>Where is the canonical model in this world?</a:t>
+            </a:r>
+          </a:p>
+          <a:p>
+            <a:r>
+              <a:rPr lang="en-US" dirty="0" smtClean="0"/>
+              <a:t>Do we still need declarative languages with better </a:t>
+            </a:r>
+            <a:r>
+              <a:rPr lang="en-US" dirty="0" err="1" smtClean="0"/>
+              <a:t>DevOps</a:t>
+            </a:r>
+            <a:r>
+              <a:rPr lang="en-US" dirty="0" smtClean="0"/>
+              <a:t>?</a:t>
+            </a:r>
+          </a:p>
+        </p:txBody>
+      </p:sp>
     </p:spTree>
     <p:extLst>
       <p:ext uri="{BB962C8B-B14F-4D97-AF65-F5344CB8AC3E}">
-        <p14:creationId xmlns:p14="http://schemas.microsoft.com/office/powerpoint/2010/main" val="2962026206"/>
+        <p14:creationId xmlns:p14="http://schemas.microsoft.com/office/powerpoint/2010/main" val="3271640572"/>
       </p:ext>
     </p:extLst>
   </p:cSld>
   <p:clrMapOvr>
     <a:masterClrMapping/>
   </p:clrMapOvr>
-  <mc:AlternateContent xmlns:mc="http://schemas.openxmlformats.org/markup-compatibility/2006" xmlns:p14="http://schemas.microsoft.com/office/powerpoint/2010/main">
-    <mc:Choice Requires="p14">
-      <p:transition spd="slow" p14:dur="2000"/>
-    </mc:Choice>
-    <mc:Fallback xmlns="">
-      <p:transition xmlns:p14="http://schemas.microsoft.com/office/powerpoint/2010/main" spd="slow"/>
-    </mc:Fallback>
-  </mc:AlternateContent>
 </p:sld>
 </file>
 
-<file path=ppt/slides/slide36.xml><?xml version="1.0" encoding="utf-8"?>
+<file path=ppt/slides/slide33.xml><?xml version="1.0" encoding="utf-8"?>
 <p:sld xmlns:a="http://schemas.openxmlformats.org/drawingml/2006/main" xmlns:r="http://schemas.openxmlformats.org/officeDocument/2006/relationships" xmlns:p="http://schemas.openxmlformats.org/presentationml/2006/main">
   <p:cSld>
     <p:spTree>

--- a/presentation-source/10-integration.pptx
+++ b/presentation-source/10-integration.pptx
@@ -5,7 +5,7 @@
     <p:sldMasterId id="2147483648" r:id="rId1"/>
   </p:sldMasterIdLst>
   <p:notesMasterIdLst>
-    <p:notesMasterId r:id="rId35"/>
+    <p:notesMasterId r:id="rId37"/>
   </p:notesMasterIdLst>
   <p:sldIdLst>
     <p:sldId id="256" r:id="rId2"/>
@@ -40,7 +40,9 @@
     <p:sldId id="281" r:id="rId31"/>
     <p:sldId id="282" r:id="rId32"/>
     <p:sldId id="301" r:id="rId33"/>
-    <p:sldId id="274" r:id="rId34"/>
+    <p:sldId id="302" r:id="rId34"/>
+    <p:sldId id="303" r:id="rId35"/>
+    <p:sldId id="274" r:id="rId36"/>
   </p:sldIdLst>
   <p:sldSz cx="9144000" cy="6858000" type="screen4x3"/>
   <p:notesSz cx="6858000" cy="9144000"/>
@@ -229,7 +231,7 @@
             <a:fld id="{7307762F-A706-E543-A832-3C298AA3103F}" type="datetimeFigureOut">
               <a:rPr lang="en-US" smtClean="0"/>
               <a:pPr/>
-              <a:t>10/06/16</a:t>
+              <a:t>07/05/17</a:t>
             </a:fld>
             <a:endParaRPr lang="en-US" dirty="0"/>
           </a:p>
@@ -1063,7 +1065,7 @@
           <a:p>
             <a:fld id="{875CF0EB-321F-0749-B37A-89BBA859503C}" type="datetimeFigureOut">
               <a:rPr lang="en-US" smtClean="0"/>
-              <a:t>10/06/16</a:t>
+              <a:t>07/05/17</a:t>
             </a:fld>
             <a:endParaRPr lang="en-US"/>
           </a:p>
@@ -1267,7 +1269,7 @@
           <a:p>
             <a:fld id="{875CF0EB-321F-0749-B37A-89BBA859503C}" type="datetimeFigureOut">
               <a:rPr lang="en-US" smtClean="0"/>
-              <a:t>10/06/16</a:t>
+              <a:t>07/05/17</a:t>
             </a:fld>
             <a:endParaRPr lang="en-US"/>
           </a:p>
@@ -1461,7 +1463,7 @@
           <a:p>
             <a:fld id="{875CF0EB-321F-0749-B37A-89BBA859503C}" type="datetimeFigureOut">
               <a:rPr lang="en-US" smtClean="0"/>
-              <a:t>10/06/16</a:t>
+              <a:t>07/05/17</a:t>
             </a:fld>
             <a:endParaRPr lang="en-US"/>
           </a:p>
@@ -1731,7 +1733,7 @@
           <a:p>
             <a:fld id="{875CF0EB-321F-0749-B37A-89BBA859503C}" type="datetimeFigureOut">
               <a:rPr lang="en-US" smtClean="0"/>
-              <a:t>10/06/16</a:t>
+              <a:t>07/05/17</a:t>
             </a:fld>
             <a:endParaRPr lang="en-US"/>
           </a:p>
@@ -2043,7 +2045,7 @@
           <a:p>
             <a:fld id="{875CF0EB-321F-0749-B37A-89BBA859503C}" type="datetimeFigureOut">
               <a:rPr lang="en-US" smtClean="0"/>
-              <a:t>10/06/16</a:t>
+              <a:t>07/05/17</a:t>
             </a:fld>
             <a:endParaRPr lang="en-US"/>
           </a:p>
@@ -2489,7 +2491,7 @@
           <a:p>
             <a:fld id="{875CF0EB-321F-0749-B37A-89BBA859503C}" type="datetimeFigureOut">
               <a:rPr lang="en-US" smtClean="0"/>
-              <a:t>10/06/16</a:t>
+              <a:t>07/05/17</a:t>
             </a:fld>
             <a:endParaRPr lang="en-US"/>
           </a:p>
@@ -2631,7 +2633,7 @@
           <a:p>
             <a:fld id="{875CF0EB-321F-0749-B37A-89BBA859503C}" type="datetimeFigureOut">
               <a:rPr lang="en-US" smtClean="0"/>
-              <a:t>10/06/16</a:t>
+              <a:t>07/05/17</a:t>
             </a:fld>
             <a:endParaRPr lang="en-US"/>
           </a:p>
@@ -2750,7 +2752,7 @@
           <a:p>
             <a:fld id="{875CF0EB-321F-0749-B37A-89BBA859503C}" type="datetimeFigureOut">
               <a:rPr lang="en-US" smtClean="0"/>
-              <a:t>10/06/16</a:t>
+              <a:t>07/05/17</a:t>
             </a:fld>
             <a:endParaRPr lang="en-US"/>
           </a:p>
@@ -3051,7 +3053,7 @@
           <a:p>
             <a:fld id="{875CF0EB-321F-0749-B37A-89BBA859503C}" type="datetimeFigureOut">
               <a:rPr lang="en-US" smtClean="0"/>
-              <a:t>10/06/16</a:t>
+              <a:t>07/05/17</a:t>
             </a:fld>
             <a:endParaRPr lang="en-US"/>
           </a:p>
@@ -3328,7 +3330,7 @@
           <a:p>
             <a:fld id="{875CF0EB-321F-0749-B37A-89BBA859503C}" type="datetimeFigureOut">
               <a:rPr lang="en-US" smtClean="0"/>
-              <a:t>10/06/16</a:t>
+              <a:t>07/05/17</a:t>
             </a:fld>
             <a:endParaRPr lang="en-US"/>
           </a:p>
@@ -3708,19 +3710,7 @@
               <a:rPr lang="en-US" sz="700" dirty="0" smtClean="0">
                 <a:latin typeface="Montserrat"/>
               </a:rPr>
-              <a:t>© Paul Fremantle </a:t>
-            </a:r>
-            <a:r>
-              <a:rPr lang="en-US" sz="700" dirty="0" smtClean="0">
-                <a:latin typeface="Montserrat"/>
-              </a:rPr>
-              <a:t>2016 except where credited elsewhere. </a:t>
-            </a:r>
-            <a:r>
-              <a:rPr lang="en-US" sz="700" dirty="0" smtClean="0">
-                <a:latin typeface="Montserrat"/>
-              </a:rPr>
-              <a:t> This work is licensed under a Creative Commons</a:t>
+              <a:t>© Paul Fremantle 2016 except where credited elsewhere.  This work is licensed under a Creative Commons</a:t>
             </a:r>
           </a:p>
           <a:p>
@@ -4158,12 +4148,14 @@
           </a:p>
           <a:p>
             <a:r>
-              <a:rPr lang="en-US" dirty="0" smtClean="0">
+              <a:rPr lang="en-US" smtClean="0">
                 <a:ea typeface="ヒラギノ角ゴ ProN W3" charset="0"/>
                 <a:cs typeface="ヒラギノ角ゴ ProN W3" charset="0"/>
               </a:rPr>
-              <a:t>June 2016</a:t>
-            </a:r>
+              <a:t>May 2017</a:t>
+            </a:r>
+          </a:p>
+          <a:p>
             <a:endParaRPr lang="en-US" dirty="0">
               <a:ea typeface="ヒラギノ角ゴ ProN W3" charset="0"/>
               <a:cs typeface="ヒラギノ角ゴ ProN W3" charset="0"/>
@@ -10565,7 +10557,7 @@
         </p:spPr>
         <p:txBody>
           <a:bodyPr>
-            <a:normAutofit fontScale="92500" lnSpcReduction="20000"/>
+            <a:normAutofit fontScale="85000" lnSpcReduction="10000"/>
           </a:bodyPr>
           <a:lstStyle/>
           <a:p>
@@ -10576,6 +10568,9 @@
           </a:p>
           <a:p>
             <a:endParaRPr lang="en-US" dirty="0"/>
+          </a:p>
+          <a:p>
+            <a:endParaRPr lang="en-US" dirty="0" smtClean="0"/>
           </a:p>
           <a:p>
             <a:endParaRPr lang="en-US" dirty="0"/>
@@ -10710,22 +10705,22 @@
           <a:lstStyle/>
           <a:p>
             <a:r>
-              <a:rPr lang="en-US" sz="2800" dirty="0" smtClean="0"/>
+              <a:rPr lang="en-US" sz="3200" dirty="0" smtClean="0"/>
               <a:t>How does mediation / integration fit into </a:t>
             </a:r>
             <a:r>
-              <a:rPr lang="en-US" sz="2800" dirty="0" err="1" smtClean="0"/>
+              <a:rPr lang="en-US" sz="3200" dirty="0" err="1" smtClean="0"/>
               <a:t>Microservices</a:t>
             </a:r>
             <a:r>
-              <a:rPr lang="en-US" sz="2800" dirty="0"/>
+              <a:rPr lang="en-US" sz="3200" dirty="0"/>
               <a:t> </a:t>
             </a:r>
             <a:r>
-              <a:rPr lang="en-US" sz="2800" dirty="0" smtClean="0"/>
+              <a:rPr lang="en-US" sz="3200" dirty="0" smtClean="0"/>
               <a:t>/ Containers?</a:t>
             </a:r>
-            <a:endParaRPr lang="en-US" sz="2800" dirty="0"/>
+            <a:endParaRPr lang="en-US" sz="3200" dirty="0"/>
           </a:p>
         </p:txBody>
       </p:sp>
@@ -10828,6 +10823,216 @@
 </file>
 
 <file path=ppt/slides/slide33.xml><?xml version="1.0" encoding="utf-8"?>
+<p:sld xmlns:a="http://schemas.openxmlformats.org/drawingml/2006/main" xmlns:r="http://schemas.openxmlformats.org/officeDocument/2006/relationships" xmlns:p="http://schemas.openxmlformats.org/presentationml/2006/main">
+  <p:cSld>
+    <p:spTree>
+      <p:nvGrpSpPr>
+        <p:cNvPr id="1" name=""/>
+        <p:cNvGrpSpPr/>
+        <p:nvPr/>
+      </p:nvGrpSpPr>
+      <p:grpSpPr>
+        <a:xfrm>
+          <a:off x="0" y="0"/>
+          <a:ext cx="0" cy="0"/>
+          <a:chOff x="0" y="0"/>
+          <a:chExt cx="0" cy="0"/>
+        </a:xfrm>
+      </p:grpSpPr>
+      <p:sp>
+        <p:nvSpPr>
+          <p:cNvPr id="2" name="Title 1"/>
+          <p:cNvSpPr>
+            <a:spLocks noGrp="1"/>
+          </p:cNvSpPr>
+          <p:nvPr>
+            <p:ph type="title"/>
+          </p:nvPr>
+        </p:nvSpPr>
+        <p:spPr/>
+        <p:txBody>
+          <a:bodyPr/>
+          <a:lstStyle/>
+          <a:p>
+            <a:r>
+              <a:rPr lang="en-US" dirty="0" smtClean="0"/>
+              <a:t>Ballerina</a:t>
+            </a:r>
+            <a:endParaRPr lang="en-US" dirty="0"/>
+          </a:p>
+        </p:txBody>
+      </p:sp>
+      <p:sp>
+        <p:nvSpPr>
+          <p:cNvPr id="4" name="Content Placeholder 3"/>
+          <p:cNvSpPr>
+            <a:spLocks noGrp="1"/>
+          </p:cNvSpPr>
+          <p:nvPr>
+            <p:ph idx="1"/>
+          </p:nvPr>
+        </p:nvSpPr>
+        <p:spPr/>
+        <p:txBody>
+          <a:bodyPr/>
+          <a:lstStyle/>
+          <a:p>
+            <a:r>
+              <a:rPr lang="en-US" dirty="0" smtClean="0"/>
+              <a:t>A new integration language and framework for </a:t>
+            </a:r>
+            <a:r>
+              <a:rPr lang="en-US" dirty="0" err="1" smtClean="0"/>
+              <a:t>Microservices</a:t>
+            </a:r>
+            <a:r>
+              <a:rPr lang="en-US" dirty="0" smtClean="0"/>
+              <a:t>, </a:t>
+            </a:r>
+            <a:r>
+              <a:rPr lang="en-US" dirty="0" err="1" smtClean="0"/>
+              <a:t>RESTful</a:t>
+            </a:r>
+            <a:r>
+              <a:rPr lang="en-US" dirty="0" smtClean="0"/>
+              <a:t> SOA</a:t>
+            </a:r>
+          </a:p>
+          <a:p>
+            <a:r>
+              <a:rPr lang="en-US" dirty="0" smtClean="0"/>
+              <a:t>Based on Swagger and Sequence Diagrams</a:t>
+            </a:r>
+          </a:p>
+          <a:p>
+            <a:r>
+              <a:rPr lang="en-US" dirty="0" smtClean="0"/>
+              <a:t>Textual and graphical are 100% interchangeable</a:t>
+            </a:r>
+          </a:p>
+          <a:p>
+            <a:r>
+              <a:rPr lang="en-US" dirty="0" smtClean="0"/>
+              <a:t>http://</a:t>
+            </a:r>
+            <a:r>
+              <a:rPr lang="en-US" dirty="0" err="1" smtClean="0"/>
+              <a:t>ballerinalang.org</a:t>
+            </a:r>
+            <a:endParaRPr lang="en-US" dirty="0" smtClean="0"/>
+          </a:p>
+          <a:p>
+            <a:endParaRPr lang="en-US" dirty="0"/>
+          </a:p>
+        </p:txBody>
+      </p:sp>
+    </p:spTree>
+    <p:extLst>
+      <p:ext uri="{BB962C8B-B14F-4D97-AF65-F5344CB8AC3E}">
+        <p14:creationId xmlns:p14="http://schemas.microsoft.com/office/powerpoint/2010/main" val="672084263"/>
+      </p:ext>
+    </p:extLst>
+  </p:cSld>
+  <p:clrMapOvr>
+    <a:masterClrMapping/>
+  </p:clrMapOvr>
+  <p:timing>
+    <p:tnLst>
+      <p:par>
+        <p:cTn xmlns:p14="http://schemas.microsoft.com/office/powerpoint/2010/main" id="1" dur="indefinite" restart="never" nodeType="tmRoot"/>
+      </p:par>
+    </p:tnLst>
+  </p:timing>
+</p:sld>
+</file>
+
+<file path=ppt/slides/slide34.xml><?xml version="1.0" encoding="utf-8"?>
+<p:sld xmlns:a="http://schemas.openxmlformats.org/drawingml/2006/main" xmlns:r="http://schemas.openxmlformats.org/officeDocument/2006/relationships" xmlns:p="http://schemas.openxmlformats.org/presentationml/2006/main">
+  <p:cSld>
+    <p:spTree>
+      <p:nvGrpSpPr>
+        <p:cNvPr id="1" name=""/>
+        <p:cNvGrpSpPr/>
+        <p:nvPr/>
+      </p:nvGrpSpPr>
+      <p:grpSpPr>
+        <a:xfrm>
+          <a:off x="0" y="0"/>
+          <a:ext cx="0" cy="0"/>
+          <a:chOff x="0" y="0"/>
+          <a:chExt cx="0" cy="0"/>
+        </a:xfrm>
+      </p:grpSpPr>
+      <p:sp>
+        <p:nvSpPr>
+          <p:cNvPr id="2" name="Title 1"/>
+          <p:cNvSpPr>
+            <a:spLocks noGrp="1"/>
+          </p:cNvSpPr>
+          <p:nvPr>
+            <p:ph type="title"/>
+          </p:nvPr>
+        </p:nvSpPr>
+        <p:spPr/>
+        <p:txBody>
+          <a:bodyPr>
+            <a:normAutofit/>
+          </a:bodyPr>
+          <a:lstStyle/>
+          <a:p>
+            <a:r>
+              <a:rPr lang="en-US" sz="3600" dirty="0" smtClean="0"/>
+              <a:t>Ballerina diagram and language</a:t>
+            </a:r>
+            <a:endParaRPr lang="en-US" sz="3600" dirty="0"/>
+          </a:p>
+        </p:txBody>
+      </p:sp>
+      <p:pic>
+        <p:nvPicPr>
+          <p:cNvPr id="5" name="Picture 4"/>
+          <p:cNvPicPr>
+            <a:picLocks noChangeAspect="1"/>
+          </p:cNvPicPr>
+          <p:nvPr/>
+        </p:nvPicPr>
+        <p:blipFill>
+          <a:blip r:embed="rId2"/>
+          <a:stretch>
+            <a:fillRect/>
+          </a:stretch>
+        </p:blipFill>
+        <p:spPr>
+          <a:xfrm>
+            <a:off x="0" y="1673727"/>
+            <a:ext cx="9144000" cy="4403387"/>
+          </a:xfrm>
+          <a:prstGeom prst="rect">
+            <a:avLst/>
+          </a:prstGeom>
+        </p:spPr>
+      </p:pic>
+    </p:spTree>
+    <p:extLst>
+      <p:ext uri="{BB962C8B-B14F-4D97-AF65-F5344CB8AC3E}">
+        <p14:creationId xmlns:p14="http://schemas.microsoft.com/office/powerpoint/2010/main" val="2683782733"/>
+      </p:ext>
+    </p:extLst>
+  </p:cSld>
+  <p:clrMapOvr>
+    <a:masterClrMapping/>
+  </p:clrMapOvr>
+  <p:timing>
+    <p:tnLst>
+      <p:par>
+        <p:cTn xmlns:p14="http://schemas.microsoft.com/office/powerpoint/2010/main" id="1" dur="indefinite" restart="never" nodeType="tmRoot"/>
+      </p:par>
+    </p:tnLst>
+  </p:timing>
+</p:sld>
+</file>
+
+<file path=ppt/slides/slide35.xml><?xml version="1.0" encoding="utf-8"?>
 <p:sld xmlns:a="http://schemas.openxmlformats.org/drawingml/2006/main" xmlns:r="http://schemas.openxmlformats.org/officeDocument/2006/relationships" xmlns:p="http://schemas.openxmlformats.org/presentationml/2006/main">
   <p:cSld>
     <p:spTree>
@@ -11023,6 +11228,13 @@
   <p:clrMapOvr>
     <a:masterClrMapping/>
   </p:clrMapOvr>
+  <p:timing>
+    <p:tnLst>
+      <p:par>
+        <p:cTn xmlns:p14="http://schemas.microsoft.com/office/powerpoint/2010/main" id="1" dur="indefinite" restart="never" nodeType="tmRoot"/>
+      </p:par>
+    </p:tnLst>
+  </p:timing>
 </p:sld>
 </file>
 

--- a/presentation-source/10-integration.pptx
+++ b/presentation-source/10-integration.pptx
@@ -231,7 +231,7 @@
             <a:fld id="{7307762F-A706-E543-A832-3C298AA3103F}" type="datetimeFigureOut">
               <a:rPr lang="en-US" smtClean="0"/>
               <a:pPr/>
-              <a:t>07/05/17</a:t>
+              <a:t>19/12/17</a:t>
             </a:fld>
             <a:endParaRPr lang="en-US" dirty="0"/>
           </a:p>
@@ -1065,7 +1065,7 @@
           <a:p>
             <a:fld id="{875CF0EB-321F-0749-B37A-89BBA859503C}" type="datetimeFigureOut">
               <a:rPr lang="en-US" smtClean="0"/>
-              <a:t>07/05/17</a:t>
+              <a:t>19/12/17</a:t>
             </a:fld>
             <a:endParaRPr lang="en-US"/>
           </a:p>
@@ -1269,7 +1269,7 @@
           <a:p>
             <a:fld id="{875CF0EB-321F-0749-B37A-89BBA859503C}" type="datetimeFigureOut">
               <a:rPr lang="en-US" smtClean="0"/>
-              <a:t>07/05/17</a:t>
+              <a:t>19/12/17</a:t>
             </a:fld>
             <a:endParaRPr lang="en-US"/>
           </a:p>
@@ -1463,7 +1463,7 @@
           <a:p>
             <a:fld id="{875CF0EB-321F-0749-B37A-89BBA859503C}" type="datetimeFigureOut">
               <a:rPr lang="en-US" smtClean="0"/>
-              <a:t>07/05/17</a:t>
+              <a:t>19/12/17</a:t>
             </a:fld>
             <a:endParaRPr lang="en-US"/>
           </a:p>
@@ -1733,7 +1733,7 @@
           <a:p>
             <a:fld id="{875CF0EB-321F-0749-B37A-89BBA859503C}" type="datetimeFigureOut">
               <a:rPr lang="en-US" smtClean="0"/>
-              <a:t>07/05/17</a:t>
+              <a:t>19/12/17</a:t>
             </a:fld>
             <a:endParaRPr lang="en-US"/>
           </a:p>
@@ -2045,7 +2045,7 @@
           <a:p>
             <a:fld id="{875CF0EB-321F-0749-B37A-89BBA859503C}" type="datetimeFigureOut">
               <a:rPr lang="en-US" smtClean="0"/>
-              <a:t>07/05/17</a:t>
+              <a:t>19/12/17</a:t>
             </a:fld>
             <a:endParaRPr lang="en-US"/>
           </a:p>
@@ -2491,7 +2491,7 @@
           <a:p>
             <a:fld id="{875CF0EB-321F-0749-B37A-89BBA859503C}" type="datetimeFigureOut">
               <a:rPr lang="en-US" smtClean="0"/>
-              <a:t>07/05/17</a:t>
+              <a:t>19/12/17</a:t>
             </a:fld>
             <a:endParaRPr lang="en-US"/>
           </a:p>
@@ -2633,7 +2633,7 @@
           <a:p>
             <a:fld id="{875CF0EB-321F-0749-B37A-89BBA859503C}" type="datetimeFigureOut">
               <a:rPr lang="en-US" smtClean="0"/>
-              <a:t>07/05/17</a:t>
+              <a:t>19/12/17</a:t>
             </a:fld>
             <a:endParaRPr lang="en-US"/>
           </a:p>
@@ -2752,7 +2752,7 @@
           <a:p>
             <a:fld id="{875CF0EB-321F-0749-B37A-89BBA859503C}" type="datetimeFigureOut">
               <a:rPr lang="en-US" smtClean="0"/>
-              <a:t>07/05/17</a:t>
+              <a:t>19/12/17</a:t>
             </a:fld>
             <a:endParaRPr lang="en-US"/>
           </a:p>
@@ -3053,7 +3053,7 @@
           <a:p>
             <a:fld id="{875CF0EB-321F-0749-B37A-89BBA859503C}" type="datetimeFigureOut">
               <a:rPr lang="en-US" smtClean="0"/>
-              <a:t>07/05/17</a:t>
+              <a:t>19/12/17</a:t>
             </a:fld>
             <a:endParaRPr lang="en-US"/>
           </a:p>
@@ -3330,7 +3330,7 @@
           <a:p>
             <a:fld id="{875CF0EB-321F-0749-B37A-89BBA859503C}" type="datetimeFigureOut">
               <a:rPr lang="en-US" smtClean="0"/>
-              <a:t>07/05/17</a:t>
+              <a:t>19/12/17</a:t>
             </a:fld>
             <a:endParaRPr lang="en-US"/>
           </a:p>
@@ -10856,7 +10856,7 @@
           <a:p>
             <a:r>
               <a:rPr lang="en-US" dirty="0" smtClean="0"/>
-              <a:t>Ballerina</a:t>
+              <a:t>Ballerina Language</a:t>
             </a:r>
             <a:endParaRPr lang="en-US" dirty="0"/>
           </a:p>
@@ -10990,7 +10990,7 @@
       </p:sp>
       <p:pic>
         <p:nvPicPr>
-          <p:cNvPr id="5" name="Picture 4"/>
+          <p:cNvPr id="6" name="Picture 5"/>
           <p:cNvPicPr>
             <a:picLocks noChangeAspect="1"/>
           </p:cNvPicPr>
@@ -11004,8 +11004,32 @@
         </p:blipFill>
         <p:spPr>
           <a:xfrm>
-            <a:off x="0" y="1673727"/>
-            <a:ext cx="9144000" cy="4403387"/>
+            <a:off x="457200" y="1640093"/>
+            <a:ext cx="3783789" cy="3129066"/>
+          </a:xfrm>
+          <a:prstGeom prst="rect">
+            <a:avLst/>
+          </a:prstGeom>
+        </p:spPr>
+      </p:pic>
+      <p:pic>
+        <p:nvPicPr>
+          <p:cNvPr id="7" name="Picture 6"/>
+          <p:cNvPicPr>
+            <a:picLocks noChangeAspect="1"/>
+          </p:cNvPicPr>
+          <p:nvPr/>
+        </p:nvPicPr>
+        <p:blipFill>
+          <a:blip r:embed="rId3"/>
+          <a:stretch>
+            <a:fillRect/>
+          </a:stretch>
+        </p:blipFill>
+        <p:spPr>
+          <a:xfrm>
+            <a:off x="4682172" y="1540476"/>
+            <a:ext cx="3705794" cy="4333335"/>
           </a:xfrm>
           <a:prstGeom prst="rect">
             <a:avLst/>
